--- a/LectureFiles/cbw/2015/RNASeq_Module3_Lecture.pptx
+++ b/LectureFiles/cbw/2015/RNASeq_Module3_Lecture.pptx
@@ -5,35 +5,34 @@
     <p:sldMasterId id="2147483648" r:id="rId1"/>
   </p:sldMasterIdLst>
   <p:notesMasterIdLst>
-    <p:notesMasterId r:id="rId25"/>
+    <p:notesMasterId r:id="rId24"/>
   </p:notesMasterIdLst>
   <p:handoutMasterIdLst>
-    <p:handoutMasterId r:id="rId26"/>
+    <p:handoutMasterId r:id="rId25"/>
   </p:handoutMasterIdLst>
   <p:sldIdLst>
     <p:sldId id="341" r:id="rId2"/>
-    <p:sldId id="516" r:id="rId3"/>
-    <p:sldId id="342" r:id="rId4"/>
-    <p:sldId id="257" r:id="rId5"/>
-    <p:sldId id="517" r:id="rId6"/>
-    <p:sldId id="518" r:id="rId7"/>
-    <p:sldId id="519" r:id="rId8"/>
-    <p:sldId id="520" r:id="rId9"/>
-    <p:sldId id="521" r:id="rId10"/>
-    <p:sldId id="522" r:id="rId11"/>
-    <p:sldId id="523" r:id="rId12"/>
-    <p:sldId id="524" r:id="rId13"/>
-    <p:sldId id="525" r:id="rId14"/>
-    <p:sldId id="526" r:id="rId15"/>
-    <p:sldId id="527" r:id="rId16"/>
-    <p:sldId id="528" r:id="rId17"/>
-    <p:sldId id="529" r:id="rId18"/>
-    <p:sldId id="530" r:id="rId19"/>
-    <p:sldId id="531" r:id="rId20"/>
-    <p:sldId id="532" r:id="rId21"/>
-    <p:sldId id="533" r:id="rId22"/>
-    <p:sldId id="534" r:id="rId23"/>
-    <p:sldId id="512" r:id="rId24"/>
+    <p:sldId id="342" r:id="rId3"/>
+    <p:sldId id="257" r:id="rId4"/>
+    <p:sldId id="517" r:id="rId5"/>
+    <p:sldId id="518" r:id="rId6"/>
+    <p:sldId id="519" r:id="rId7"/>
+    <p:sldId id="520" r:id="rId8"/>
+    <p:sldId id="521" r:id="rId9"/>
+    <p:sldId id="522" r:id="rId10"/>
+    <p:sldId id="523" r:id="rId11"/>
+    <p:sldId id="524" r:id="rId12"/>
+    <p:sldId id="525" r:id="rId13"/>
+    <p:sldId id="526" r:id="rId14"/>
+    <p:sldId id="527" r:id="rId15"/>
+    <p:sldId id="528" r:id="rId16"/>
+    <p:sldId id="529" r:id="rId17"/>
+    <p:sldId id="530" r:id="rId18"/>
+    <p:sldId id="531" r:id="rId19"/>
+    <p:sldId id="532" r:id="rId20"/>
+    <p:sldId id="533" r:id="rId21"/>
+    <p:sldId id="534" r:id="rId22"/>
+    <p:sldId id="512" r:id="rId23"/>
   </p:sldIdLst>
   <p:sldSz cx="9144000" cy="6858000" type="screen4x3"/>
   <p:notesSz cx="7315200" cy="9601200"/>
@@ -272,7 +271,7 @@
               <a:pPr>
                 <a:defRPr/>
               </a:pPr>
-              <a:t>3/7/15</a:t>
+              <a:t>6/1/15</a:t>
             </a:fld>
             <a:endParaRPr lang="en-US"/>
           </a:p>
@@ -487,7 +486,7 @@
               <a:pPr>
                 <a:defRPr/>
               </a:pPr>
-              <a:t>3/7/15</a:t>
+              <a:t>6/1/15</a:t>
             </a:fld>
             <a:endParaRPr lang="en-US"/>
           </a:p>
@@ -1064,7 +1063,7 @@
                 <a:latin typeface="Calibri" charset="0"/>
               </a:rPr>
               <a:pPr eaLnBrk="1" hangingPunct="1"/>
-              <a:t>6</a:t>
+              <a:t>5</a:t>
             </a:fld>
             <a:endParaRPr lang="en-US" sz="1300">
               <a:latin typeface="Calibri" charset="0"/>
@@ -1401,13 +1400,6 @@
               </a:rPr>
               <a:t>RNA sequencing and analysis</a:t>
             </a:r>
-            <a:endParaRPr lang="en-US" sz="2000" b="1" dirty="0" smtClean="0">
-              <a:solidFill>
-                <a:schemeClr val="bg1"/>
-              </a:solidFill>
-              <a:latin typeface="Calibri" charset="0"/>
-              <a:cs typeface="Calibri" charset="0"/>
-            </a:endParaRPr>
           </a:p>
         </p:txBody>
       </p:sp>
@@ -1940,13 +1932,6 @@
               </a:rPr>
               <a:t>RNA sequencing and analysis</a:t>
             </a:r>
-            <a:endParaRPr lang="en-US" sz="2000" b="1" dirty="0" smtClean="0">
-              <a:solidFill>
-                <a:schemeClr val="bg1"/>
-              </a:solidFill>
-              <a:latin typeface="Calibri" charset="0"/>
-              <a:cs typeface="Calibri" charset="0"/>
-            </a:endParaRPr>
           </a:p>
         </p:txBody>
       </p:sp>
@@ -3515,7 +3500,7 @@
               <a:pPr>
                 <a:defRPr/>
               </a:pPr>
-              <a:t>3/7/15</a:t>
+              <a:t>6/1/15</a:t>
             </a:fld>
             <a:endParaRPr lang="en-US"/>
           </a:p>
@@ -4381,37 +4366,9 @@
           <a:chExt cx="0" cy="0"/>
         </a:xfrm>
       </p:grpSpPr>
-      <p:pic>
-        <p:nvPicPr>
-          <p:cNvPr id="4" name="Content Placeholder 3" descr="cuffdiff_overview.jpg"/>
-          <p:cNvPicPr>
-            <a:picLocks noGrp="1" noChangeAspect="1"/>
-          </p:cNvPicPr>
-          <p:nvPr>
-            <p:ph idx="1"/>
-          </p:nvPr>
-        </p:nvPicPr>
-        <p:blipFill rotWithShape="1">
-          <a:blip r:embed="rId2">
-            <a:extLst>
-              <a:ext uri="{28A0092B-C50C-407E-A947-70E740481C1C}">
-                <a14:useLocalDpi xmlns:a14="http://schemas.microsoft.com/office/drawing/2010/main" val="0"/>
-              </a:ext>
-            </a:extLst>
-          </a:blip>
-          <a:srcRect l="-2624" r="-3487"/>
-          <a:stretch/>
-        </p:blipFill>
-        <p:spPr>
-          <a:xfrm>
-            <a:off x="5220072" y="188640"/>
-            <a:ext cx="3386920" cy="6110461"/>
-          </a:xfrm>
-        </p:spPr>
-      </p:pic>
       <p:sp>
         <p:nvSpPr>
-          <p:cNvPr id="7" name="Title 1"/>
+          <p:cNvPr id="33793" name="Title 1"/>
           <p:cNvSpPr>
             <a:spLocks noGrp="1"/>
           </p:cNvSpPr>
@@ -4421,8 +4378,8 @@
         </p:nvSpPr>
         <p:spPr>
           <a:xfrm>
-            <a:off x="179512" y="44624"/>
-            <a:ext cx="5040560" cy="1296144"/>
+            <a:off x="152400" y="-27384"/>
+            <a:ext cx="8839200" cy="1143000"/>
           </a:xfrm>
         </p:spPr>
         <p:txBody>
@@ -4430,328 +4387,214 @@
           <a:lstStyle/>
           <a:p>
             <a:r>
-              <a:rPr lang="en-US" dirty="0">
-                <a:latin typeface="Calibri" charset="0"/>
-                <a:ea typeface="ＭＳ Ｐゴシック" charset="0"/>
-              </a:rPr>
-              <a:t>How does </a:t>
+              <a:rPr lang="en-US" dirty="0" smtClean="0">
+                <a:latin typeface="Calibri" charset="0"/>
+                <a:ea typeface="ＭＳ Ｐゴシック" charset="0"/>
+              </a:rPr>
+              <a:t>Why is </a:t>
             </a:r>
             <a:r>
               <a:rPr lang="en-US" dirty="0" err="1" smtClean="0">
                 <a:latin typeface="Calibri" charset="0"/>
                 <a:ea typeface="ＭＳ Ｐゴシック" charset="0"/>
               </a:rPr>
-              <a:t>cuffdiff</a:t>
+              <a:t>cuffmerge</a:t>
             </a:r>
             <a:r>
               <a:rPr lang="en-US" dirty="0" smtClean="0">
                 <a:latin typeface="Calibri" charset="0"/>
                 <a:ea typeface="ＭＳ Ｐゴシック" charset="0"/>
               </a:rPr>
-              <a:t> work</a:t>
-            </a:r>
-            <a:r>
-              <a:rPr lang="en-US" dirty="0">
-                <a:latin typeface="Calibri" charset="0"/>
-                <a:ea typeface="ＭＳ Ｐゴシック" charset="0"/>
-              </a:rPr>
-              <a:t>?</a:t>
-            </a:r>
+              <a:t> necessary?</a:t>
+            </a:r>
+            <a:endParaRPr lang="en-US" dirty="0">
+              <a:latin typeface="Calibri" charset="0"/>
+              <a:ea typeface="ＭＳ Ｐゴシック" charset="0"/>
+            </a:endParaRPr>
           </a:p>
         </p:txBody>
       </p:sp>
       <p:sp>
         <p:nvSpPr>
-          <p:cNvPr id="5" name="Content Placeholder 2"/>
-          <p:cNvSpPr txBox="1">
-            <a:spLocks/>
+          <p:cNvPr id="33794" name="Content Placeholder 2"/>
+          <p:cNvSpPr>
+            <a:spLocks noGrp="1"/>
           </p:cNvSpPr>
-          <p:nvPr/>
+          <p:nvPr>
+            <p:ph idx="1"/>
+          </p:nvPr>
         </p:nvSpPr>
-        <p:spPr bwMode="auto">
-          <a:xfrm>
-            <a:off x="152400" y="1340768"/>
-            <a:ext cx="4707632" cy="4983832"/>
-          </a:xfrm>
-          <a:prstGeom prst="rect">
-            <a:avLst/>
-          </a:prstGeom>
-          <a:noFill/>
-          <a:ln>
-            <a:noFill/>
-          </a:ln>
-          <a:extLst>
-            <a:ext uri="{909E8E84-426E-40dd-AFC4-6F175D3DCCD1}">
-              <a14:hiddenFill xmlns:a14="http://schemas.microsoft.com/office/drawing/2010/main">
-                <a:solidFill>
-                  <a:srgbClr val="FFFFFF"/>
-                </a:solidFill>
-              </a14:hiddenFill>
-            </a:ext>
-            <a:ext uri="{91240B29-F687-4f45-9708-019B960494DF}">
-              <a14:hiddenLine xmlns:a14="http://schemas.microsoft.com/office/drawing/2010/main" w="9525">
-                <a:solidFill>
-                  <a:srgbClr val="000000"/>
-                </a:solidFill>
-                <a:miter lim="800000"/>
-                <a:headEnd/>
-                <a:tailEnd/>
-              </a14:hiddenLine>
-            </a:ext>
-            <a:ext uri="{FAA26D3D-D897-4be2-8F04-BA451C77F1D7}">
-              <ma14:placeholderFlag xmlns:ma14="http://schemas.microsoft.com/office/mac/drawingml/2011/main" val="1"/>
-            </a:ext>
-          </a:extLst>
-        </p:spPr>
+        <p:spPr/>
         <p:txBody>
-          <a:bodyPr vert="horz" wrap="square" lIns="91440" tIns="45720" rIns="91440" bIns="45720" numCol="1" anchor="t" anchorCtr="0" compatLnSpc="1">
-            <a:prstTxWarp prst="textNoShape">
-              <a:avLst/>
-            </a:prstTxWarp>
-            <a:normAutofit fontScale="62500" lnSpcReduction="20000"/>
-          </a:bodyPr>
-          <a:lstStyle>
-            <a:lvl1pPr marL="342900" indent="-342900" algn="l" rtl="0" eaLnBrk="0" fontAlgn="base" hangingPunct="0">
-              <a:spcBef>
-                <a:spcPct val="20000"/>
-              </a:spcBef>
-              <a:spcAft>
-                <a:spcPct val="0"/>
-              </a:spcAft>
-              <a:buFont typeface="Arial" charset="0"/>
-              <a:buChar char="•"/>
-              <a:defRPr sz="2800" kern="1200">
-                <a:solidFill>
-                  <a:schemeClr val="tx1"/>
-                </a:solidFill>
-                <a:latin typeface="Calibri"/>
-                <a:ea typeface="ＭＳ Ｐゴシック" pitchFamily="-28" charset="-128"/>
-                <a:cs typeface="Calibri"/>
-              </a:defRPr>
-            </a:lvl1pPr>
-            <a:lvl2pPr marL="742950" indent="-285750" algn="l" rtl="0" eaLnBrk="0" fontAlgn="base" hangingPunct="0">
-              <a:spcBef>
-                <a:spcPct val="20000"/>
-              </a:spcBef>
-              <a:spcAft>
-                <a:spcPct val="0"/>
-              </a:spcAft>
-              <a:buFont typeface="Arial" charset="0"/>
-              <a:buChar char="–"/>
-              <a:defRPr sz="2400" kern="1200">
-                <a:solidFill>
-                  <a:schemeClr val="tx1"/>
-                </a:solidFill>
-                <a:latin typeface="Calibri"/>
-                <a:ea typeface="ＭＳ Ｐゴシック" pitchFamily="-28" charset="-128"/>
-                <a:cs typeface="Calibri"/>
-              </a:defRPr>
-            </a:lvl2pPr>
-            <a:lvl3pPr marL="1143000" indent="-228600" algn="l" rtl="0" eaLnBrk="0" fontAlgn="base" hangingPunct="0">
-              <a:spcBef>
-                <a:spcPct val="20000"/>
-              </a:spcBef>
-              <a:spcAft>
-                <a:spcPct val="0"/>
-              </a:spcAft>
-              <a:buFont typeface="Arial" charset="0"/>
-              <a:buChar char="•"/>
-              <a:defRPr sz="2000" kern="1200">
-                <a:solidFill>
-                  <a:schemeClr val="tx1"/>
-                </a:solidFill>
-                <a:latin typeface="Calibri"/>
-                <a:ea typeface="ＭＳ Ｐゴシック" pitchFamily="-28" charset="-128"/>
-                <a:cs typeface="Calibri"/>
-              </a:defRPr>
-            </a:lvl3pPr>
-            <a:lvl4pPr marL="1600200" indent="-228600" algn="l" rtl="0" eaLnBrk="0" fontAlgn="base" hangingPunct="0">
-              <a:spcBef>
-                <a:spcPct val="20000"/>
-              </a:spcBef>
-              <a:spcAft>
-                <a:spcPct val="0"/>
-              </a:spcAft>
-              <a:buFont typeface="Arial" charset="0"/>
-              <a:buChar char="–"/>
-              <a:defRPr kern="1200">
-                <a:solidFill>
-                  <a:schemeClr val="tx1"/>
-                </a:solidFill>
-                <a:latin typeface="Calibri"/>
-                <a:ea typeface="ＭＳ Ｐゴシック" pitchFamily="-28" charset="-128"/>
-                <a:cs typeface="Calibri"/>
-              </a:defRPr>
-            </a:lvl4pPr>
-            <a:lvl5pPr marL="2057400" indent="-228600" algn="l" rtl="0" eaLnBrk="0" fontAlgn="base" hangingPunct="0">
-              <a:spcBef>
-                <a:spcPct val="20000"/>
-              </a:spcBef>
-              <a:spcAft>
-                <a:spcPct val="0"/>
-              </a:spcAft>
-              <a:buFont typeface="Arial" charset="0"/>
-              <a:buChar char="»"/>
-              <a:defRPr kern="1200">
-                <a:solidFill>
-                  <a:schemeClr val="tx1"/>
-                </a:solidFill>
-                <a:latin typeface="Calibri"/>
-                <a:ea typeface="ＭＳ Ｐゴシック" pitchFamily="-28" charset="-128"/>
-                <a:cs typeface="Calibri"/>
-              </a:defRPr>
-            </a:lvl5pPr>
-            <a:lvl6pPr marL="2514600" indent="-228600" algn="l" defTabSz="914400" rtl="0" eaLnBrk="1" latinLnBrk="0" hangingPunct="1">
-              <a:spcBef>
-                <a:spcPct val="20000"/>
-              </a:spcBef>
-              <a:buFont typeface="Arial" pitchFamily="34" charset="0"/>
-              <a:buChar char="•"/>
-              <a:defRPr sz="2000" kern="1200">
-                <a:solidFill>
-                  <a:schemeClr val="tx1"/>
-                </a:solidFill>
-                <a:latin typeface="+mn-lt"/>
-                <a:ea typeface="+mn-ea"/>
-                <a:cs typeface="+mn-cs"/>
-              </a:defRPr>
-            </a:lvl6pPr>
-            <a:lvl7pPr marL="2971800" indent="-228600" algn="l" defTabSz="914400" rtl="0" eaLnBrk="1" latinLnBrk="0" hangingPunct="1">
-              <a:spcBef>
-                <a:spcPct val="20000"/>
-              </a:spcBef>
-              <a:buFont typeface="Arial" pitchFamily="34" charset="0"/>
-              <a:buChar char="•"/>
-              <a:defRPr sz="2000" kern="1200">
-                <a:solidFill>
-                  <a:schemeClr val="tx1"/>
-                </a:solidFill>
-                <a:latin typeface="+mn-lt"/>
-                <a:ea typeface="+mn-ea"/>
-                <a:cs typeface="+mn-cs"/>
-              </a:defRPr>
-            </a:lvl7pPr>
-            <a:lvl8pPr marL="3429000" indent="-228600" algn="l" defTabSz="914400" rtl="0" eaLnBrk="1" latinLnBrk="0" hangingPunct="1">
-              <a:spcBef>
-                <a:spcPct val="20000"/>
-              </a:spcBef>
-              <a:buFont typeface="Arial" pitchFamily="34" charset="0"/>
-              <a:buChar char="•"/>
-              <a:defRPr sz="2000" kern="1200">
-                <a:solidFill>
-                  <a:schemeClr val="tx1"/>
-                </a:solidFill>
-                <a:latin typeface="+mn-lt"/>
-                <a:ea typeface="+mn-ea"/>
-                <a:cs typeface="+mn-cs"/>
-              </a:defRPr>
-            </a:lvl8pPr>
-            <a:lvl9pPr marL="3886200" indent="-228600" algn="l" defTabSz="914400" rtl="0" eaLnBrk="1" latinLnBrk="0" hangingPunct="1">
-              <a:spcBef>
-                <a:spcPct val="20000"/>
-              </a:spcBef>
-              <a:buFont typeface="Arial" pitchFamily="34" charset="0"/>
-              <a:buChar char="•"/>
-              <a:defRPr sz="2000" kern="1200">
-                <a:solidFill>
-                  <a:schemeClr val="tx1"/>
-                </a:solidFill>
-                <a:latin typeface="+mn-lt"/>
-                <a:ea typeface="+mn-ea"/>
-                <a:cs typeface="+mn-cs"/>
-              </a:defRPr>
-            </a:lvl9pPr>
-          </a:lstStyle>
-          <a:p>
-            <a:r>
-              <a:rPr lang="en-US" dirty="0" smtClean="0"/>
-              <a:t>The </a:t>
-            </a:r>
-            <a:r>
-              <a:rPr lang="en-US" dirty="0"/>
-              <a:t>variability in fragment count for each gene across replicates is modeled</a:t>
-            </a:r>
-            <a:r>
-              <a:rPr lang="en-US" dirty="0" smtClean="0"/>
-              <a:t>.</a:t>
-            </a:r>
-          </a:p>
-          <a:p>
-            <a:r>
-              <a:rPr lang="en-US" dirty="0" smtClean="0"/>
-              <a:t>The </a:t>
-            </a:r>
-            <a:r>
-              <a:rPr lang="en-US" dirty="0"/>
-              <a:t>fragment count for each isoform is estimated in each </a:t>
-            </a:r>
-            <a:r>
-              <a:rPr lang="en-US" dirty="0" smtClean="0"/>
-              <a:t>replicate (as before), </a:t>
-            </a:r>
-            <a:r>
-              <a:rPr lang="en-US" dirty="0"/>
-              <a:t>along </a:t>
-            </a:r>
-            <a:r>
-              <a:rPr lang="en-US" dirty="0" smtClean="0"/>
-              <a:t>with </a:t>
-            </a:r>
-            <a:r>
-              <a:rPr lang="en-US" dirty="0"/>
-              <a:t>a measure of uncertainty in this estimate arising from ambiguously mapped </a:t>
-            </a:r>
-            <a:r>
-              <a:rPr lang="en-US" dirty="0" smtClean="0"/>
-              <a:t>reads</a:t>
-            </a:r>
-          </a:p>
-          <a:p>
-            <a:pPr lvl="1"/>
-            <a:r>
-              <a:rPr lang="en-US" dirty="0" smtClean="0"/>
-              <a:t>transcripts </a:t>
-            </a:r>
-            <a:r>
-              <a:rPr lang="en-US" dirty="0"/>
-              <a:t>with more shared exons and few uniquely assigned fragments will have greater uncertainty</a:t>
-            </a:r>
-            <a:endParaRPr lang="en-US" dirty="0" smtClean="0"/>
-          </a:p>
-          <a:p>
-            <a:r>
-              <a:rPr lang="en-US" dirty="0" smtClean="0"/>
-              <a:t>The </a:t>
-            </a:r>
-            <a:r>
-              <a:rPr lang="en-US" dirty="0"/>
-              <a:t>algorithm combines estimates of uncertainty and cross-replicate variability under a beta negative binomial model of fragment count variability to estimate count variances for each transcript in each </a:t>
-            </a:r>
-            <a:r>
-              <a:rPr lang="en-US" dirty="0" smtClean="0"/>
-              <a:t>library</a:t>
-            </a:r>
-          </a:p>
-          <a:p>
-            <a:r>
-              <a:rPr lang="en-US" dirty="0" smtClean="0"/>
-              <a:t>These </a:t>
-            </a:r>
-            <a:r>
-              <a:rPr lang="en-US" dirty="0"/>
-              <a:t>variance estimates are used during statistical testing to report significantly differentially expressed genes and transcripts.</a:t>
+          <a:bodyPr/>
+          <a:lstStyle/>
+          <a:p>
+            <a:r>
+              <a:rPr lang="en-US" dirty="0" err="1" smtClean="0">
+                <a:latin typeface="Calibri" charset="0"/>
+                <a:ea typeface="ＭＳ Ｐゴシック" charset="0"/>
+              </a:rPr>
+              <a:t>Cuffmerge</a:t>
             </a:r>
             <a:endParaRPr lang="en-US" dirty="0" smtClean="0">
               <a:latin typeface="Calibri" charset="0"/>
               <a:ea typeface="ＭＳ Ｐゴシック" charset="0"/>
             </a:endParaRPr>
+          </a:p>
+          <a:p>
+            <a:pPr lvl="1"/>
+            <a:r>
+              <a:rPr lang="en-US" dirty="0" smtClean="0">
+                <a:latin typeface="Calibri" charset="0"/>
+                <a:ea typeface="ＭＳ Ｐゴシック" charset="0"/>
+              </a:rPr>
+              <a:t>Allows merge of several </a:t>
+            </a:r>
+            <a:r>
+              <a:rPr lang="en-US" dirty="0">
+                <a:latin typeface="Calibri" charset="0"/>
+                <a:ea typeface="ＭＳ Ｐゴシック" charset="0"/>
+              </a:rPr>
+              <a:t>Cufflinks </a:t>
+            </a:r>
+            <a:r>
+              <a:rPr lang="en-US" dirty="0" smtClean="0">
+                <a:latin typeface="Calibri" charset="0"/>
+                <a:ea typeface="ＭＳ Ｐゴシック" charset="0"/>
+              </a:rPr>
+              <a:t>assemblies together</a:t>
+            </a:r>
+          </a:p>
+          <a:p>
+            <a:pPr lvl="2"/>
+            <a:r>
+              <a:rPr lang="en-US" dirty="0" smtClean="0">
+                <a:latin typeface="Calibri" charset="0"/>
+                <a:ea typeface="ＭＳ Ｐゴシック" charset="0"/>
+              </a:rPr>
+              <a:t>Necessary because even with replicates cufflinks will not necessarily assemble the same numbers and structures of transcripts</a:t>
+            </a:r>
+          </a:p>
+          <a:p>
+            <a:pPr lvl="1"/>
+            <a:r>
+              <a:rPr lang="en-US" dirty="0" smtClean="0">
+                <a:latin typeface="Calibri" charset="0"/>
+                <a:ea typeface="ＭＳ Ｐゴシック" charset="0"/>
+              </a:rPr>
+              <a:t>Filters </a:t>
+            </a:r>
+            <a:r>
+              <a:rPr lang="en-US" dirty="0">
+                <a:latin typeface="Calibri" charset="0"/>
+                <a:ea typeface="ＭＳ Ｐゴシック" charset="0"/>
+              </a:rPr>
+              <a:t>a number of </a:t>
+            </a:r>
+            <a:r>
+              <a:rPr lang="en-US" dirty="0" err="1">
+                <a:latin typeface="Calibri" charset="0"/>
+                <a:ea typeface="ＭＳ Ｐゴシック" charset="0"/>
+              </a:rPr>
+              <a:t>transfrags</a:t>
+            </a:r>
+            <a:r>
+              <a:rPr lang="en-US" dirty="0">
+                <a:latin typeface="Calibri" charset="0"/>
+                <a:ea typeface="ＭＳ Ｐゴシック" charset="0"/>
+              </a:rPr>
+              <a:t> that are probably </a:t>
+            </a:r>
+            <a:r>
+              <a:rPr lang="en-US" dirty="0" smtClean="0">
+                <a:latin typeface="Calibri" charset="0"/>
+                <a:ea typeface="ＭＳ Ｐゴシック" charset="0"/>
+              </a:rPr>
+              <a:t>artifacts.</a:t>
+            </a:r>
+          </a:p>
+          <a:p>
+            <a:pPr lvl="1"/>
+            <a:r>
+              <a:rPr lang="en-US" dirty="0" smtClean="0">
+                <a:latin typeface="Calibri" charset="0"/>
+                <a:ea typeface="ＭＳ Ｐゴシック" charset="0"/>
+              </a:rPr>
+              <a:t>Optional: provide </a:t>
+            </a:r>
+            <a:r>
+              <a:rPr lang="en-US" dirty="0">
+                <a:latin typeface="Calibri" charset="0"/>
+                <a:ea typeface="ＭＳ Ｐゴシック" charset="0"/>
+              </a:rPr>
+              <a:t>reference </a:t>
+            </a:r>
+            <a:r>
+              <a:rPr lang="en-US" dirty="0" smtClean="0">
+                <a:latin typeface="Calibri" charset="0"/>
+                <a:ea typeface="ＭＳ Ｐゴシック" charset="0"/>
+              </a:rPr>
+              <a:t>GTF to merge </a:t>
+            </a:r>
+            <a:r>
+              <a:rPr lang="en-US" dirty="0">
+                <a:latin typeface="Calibri" charset="0"/>
+                <a:ea typeface="ＭＳ Ｐゴシック" charset="0"/>
+              </a:rPr>
+              <a:t>novel isoforms and known isoforms and maximize overall assembly </a:t>
+            </a:r>
+            <a:r>
+              <a:rPr lang="en-US" dirty="0" smtClean="0">
+                <a:latin typeface="Calibri" charset="0"/>
+                <a:ea typeface="ＭＳ Ｐゴシック" charset="0"/>
+              </a:rPr>
+              <a:t>quality.</a:t>
+            </a:r>
+          </a:p>
+          <a:p>
+            <a:pPr lvl="1"/>
+            <a:r>
+              <a:rPr lang="en-US" dirty="0" smtClean="0">
+                <a:latin typeface="Calibri" charset="0"/>
+                <a:ea typeface="ＭＳ Ｐゴシック" charset="0"/>
+              </a:rPr>
+              <a:t>Make </a:t>
+            </a:r>
+            <a:r>
+              <a:rPr lang="en-US" dirty="0">
+                <a:latin typeface="Calibri" charset="0"/>
+                <a:ea typeface="ＭＳ Ｐゴシック" charset="0"/>
+              </a:rPr>
+              <a:t>an assembly GTF file suitable for use with </a:t>
+            </a:r>
+            <a:r>
+              <a:rPr lang="en-US" dirty="0" err="1" smtClean="0">
+                <a:latin typeface="Calibri" charset="0"/>
+                <a:ea typeface="ＭＳ Ｐゴシック" charset="0"/>
+              </a:rPr>
+              <a:t>Cuffdiff</a:t>
+            </a:r>
+            <a:endParaRPr lang="en-US" dirty="0" smtClean="0">
+              <a:latin typeface="Calibri" charset="0"/>
+              <a:ea typeface="ＭＳ Ｐゴシック" charset="0"/>
+            </a:endParaRPr>
+          </a:p>
+          <a:p>
+            <a:pPr lvl="2"/>
+            <a:r>
+              <a:rPr lang="en-US" dirty="0" smtClean="0">
+                <a:latin typeface="Calibri" charset="0"/>
+                <a:ea typeface="ＭＳ Ｐゴシック" charset="0"/>
+              </a:rPr>
+              <a:t>Compare apples to apples</a:t>
+            </a:r>
           </a:p>
         </p:txBody>
       </p:sp>
     </p:spTree>
     <p:extLst>
       <p:ext uri="{BB962C8B-B14F-4D97-AF65-F5344CB8AC3E}">
-        <p14:creationId xmlns:p14="http://schemas.microsoft.com/office/powerpoint/2010/main" val="2557149553"/>
+        <p14:creationId xmlns:p14="http://schemas.microsoft.com/office/powerpoint/2010/main" val="845932243"/>
       </p:ext>
     </p:extLst>
   </p:cSld>
@@ -4787,268 +4630,6 @@
       </p:grpSpPr>
       <p:sp>
         <p:nvSpPr>
-          <p:cNvPr id="33793" name="Title 1"/>
-          <p:cNvSpPr>
-            <a:spLocks noGrp="1"/>
-          </p:cNvSpPr>
-          <p:nvPr>
-            <p:ph type="title"/>
-          </p:nvPr>
-        </p:nvSpPr>
-        <p:spPr>
-          <a:xfrm>
-            <a:off x="152400" y="-27384"/>
-            <a:ext cx="8839200" cy="1143000"/>
-          </a:xfrm>
-        </p:spPr>
-        <p:txBody>
-          <a:bodyPr/>
-          <a:lstStyle/>
-          <a:p>
-            <a:r>
-              <a:rPr lang="en-US" dirty="0" smtClean="0">
-                <a:latin typeface="Calibri" charset="0"/>
-                <a:ea typeface="ＭＳ Ｐゴシック" charset="0"/>
-              </a:rPr>
-              <a:t>Why is </a:t>
-            </a:r>
-            <a:r>
-              <a:rPr lang="en-US" dirty="0" err="1" smtClean="0">
-                <a:latin typeface="Calibri" charset="0"/>
-                <a:ea typeface="ＭＳ Ｐゴシック" charset="0"/>
-              </a:rPr>
-              <a:t>cuffmerge</a:t>
-            </a:r>
-            <a:r>
-              <a:rPr lang="en-US" dirty="0" smtClean="0">
-                <a:latin typeface="Calibri" charset="0"/>
-                <a:ea typeface="ＭＳ Ｐゴシック" charset="0"/>
-              </a:rPr>
-              <a:t> necessary?</a:t>
-            </a:r>
-            <a:endParaRPr lang="en-US" dirty="0">
-              <a:latin typeface="Calibri" charset="0"/>
-              <a:ea typeface="ＭＳ Ｐゴシック" charset="0"/>
-            </a:endParaRPr>
-          </a:p>
-        </p:txBody>
-      </p:sp>
-      <p:sp>
-        <p:nvSpPr>
-          <p:cNvPr id="33794" name="Content Placeholder 2"/>
-          <p:cNvSpPr>
-            <a:spLocks noGrp="1"/>
-          </p:cNvSpPr>
-          <p:nvPr>
-            <p:ph idx="1"/>
-          </p:nvPr>
-        </p:nvSpPr>
-        <p:spPr/>
-        <p:txBody>
-          <a:bodyPr/>
-          <a:lstStyle/>
-          <a:p>
-            <a:r>
-              <a:rPr lang="en-US" dirty="0" err="1" smtClean="0">
-                <a:latin typeface="Calibri" charset="0"/>
-                <a:ea typeface="ＭＳ Ｐゴシック" charset="0"/>
-              </a:rPr>
-              <a:t>Cuffmerge</a:t>
-            </a:r>
-            <a:endParaRPr lang="en-US" dirty="0" smtClean="0">
-              <a:latin typeface="Calibri" charset="0"/>
-              <a:ea typeface="ＭＳ Ｐゴシック" charset="0"/>
-            </a:endParaRPr>
-          </a:p>
-          <a:p>
-            <a:pPr lvl="1"/>
-            <a:r>
-              <a:rPr lang="en-US" dirty="0" smtClean="0">
-                <a:latin typeface="Calibri" charset="0"/>
-                <a:ea typeface="ＭＳ Ｐゴシック" charset="0"/>
-              </a:rPr>
-              <a:t>Allows merge of several </a:t>
-            </a:r>
-            <a:r>
-              <a:rPr lang="en-US" dirty="0">
-                <a:latin typeface="Calibri" charset="0"/>
-                <a:ea typeface="ＭＳ Ｐゴシック" charset="0"/>
-              </a:rPr>
-              <a:t>Cufflinks </a:t>
-            </a:r>
-            <a:r>
-              <a:rPr lang="en-US" dirty="0" smtClean="0">
-                <a:latin typeface="Calibri" charset="0"/>
-                <a:ea typeface="ＭＳ Ｐゴシック" charset="0"/>
-              </a:rPr>
-              <a:t>assemblies together</a:t>
-            </a:r>
-          </a:p>
-          <a:p>
-            <a:pPr lvl="2"/>
-            <a:r>
-              <a:rPr lang="en-US" dirty="0" smtClean="0">
-                <a:latin typeface="Calibri" charset="0"/>
-                <a:ea typeface="ＭＳ Ｐゴシック" charset="0"/>
-              </a:rPr>
-              <a:t>Necessary because even with replicates cufflinks will not necessarily assemble the same numbers and structures of transcripts</a:t>
-            </a:r>
-          </a:p>
-          <a:p>
-            <a:pPr lvl="1"/>
-            <a:r>
-              <a:rPr lang="en-US" dirty="0" smtClean="0">
-                <a:latin typeface="Calibri" charset="0"/>
-                <a:ea typeface="ＭＳ Ｐゴシック" charset="0"/>
-              </a:rPr>
-              <a:t>Filters </a:t>
-            </a:r>
-            <a:r>
-              <a:rPr lang="en-US" dirty="0">
-                <a:latin typeface="Calibri" charset="0"/>
-                <a:ea typeface="ＭＳ Ｐゴシック" charset="0"/>
-              </a:rPr>
-              <a:t>a number of </a:t>
-            </a:r>
-            <a:r>
-              <a:rPr lang="en-US" dirty="0" err="1">
-                <a:latin typeface="Calibri" charset="0"/>
-                <a:ea typeface="ＭＳ Ｐゴシック" charset="0"/>
-              </a:rPr>
-              <a:t>transfrags</a:t>
-            </a:r>
-            <a:r>
-              <a:rPr lang="en-US" dirty="0">
-                <a:latin typeface="Calibri" charset="0"/>
-                <a:ea typeface="ＭＳ Ｐゴシック" charset="0"/>
-              </a:rPr>
-              <a:t> that are probably </a:t>
-            </a:r>
-            <a:r>
-              <a:rPr lang="en-US" dirty="0" smtClean="0">
-                <a:latin typeface="Calibri" charset="0"/>
-                <a:ea typeface="ＭＳ Ｐゴシック" charset="0"/>
-              </a:rPr>
-              <a:t>artifacts.</a:t>
-            </a:r>
-          </a:p>
-          <a:p>
-            <a:pPr lvl="1"/>
-            <a:r>
-              <a:rPr lang="en-US" dirty="0" smtClean="0">
-                <a:latin typeface="Calibri" charset="0"/>
-                <a:ea typeface="ＭＳ Ｐゴシック" charset="0"/>
-              </a:rPr>
-              <a:t>Optional: provide </a:t>
-            </a:r>
-            <a:r>
-              <a:rPr lang="en-US" dirty="0">
-                <a:latin typeface="Calibri" charset="0"/>
-                <a:ea typeface="ＭＳ Ｐゴシック" charset="0"/>
-              </a:rPr>
-              <a:t>reference </a:t>
-            </a:r>
-            <a:r>
-              <a:rPr lang="en-US" dirty="0" smtClean="0">
-                <a:latin typeface="Calibri" charset="0"/>
-                <a:ea typeface="ＭＳ Ｐゴシック" charset="0"/>
-              </a:rPr>
-              <a:t>GTF to merge </a:t>
-            </a:r>
-            <a:r>
-              <a:rPr lang="en-US" dirty="0">
-                <a:latin typeface="Calibri" charset="0"/>
-                <a:ea typeface="ＭＳ Ｐゴシック" charset="0"/>
-              </a:rPr>
-              <a:t>novel isoforms and known isoforms and maximize overall assembly </a:t>
-            </a:r>
-            <a:r>
-              <a:rPr lang="en-US" dirty="0" smtClean="0">
-                <a:latin typeface="Calibri" charset="0"/>
-                <a:ea typeface="ＭＳ Ｐゴシック" charset="0"/>
-              </a:rPr>
-              <a:t>quality.</a:t>
-            </a:r>
-          </a:p>
-          <a:p>
-            <a:pPr lvl="1"/>
-            <a:r>
-              <a:rPr lang="en-US" dirty="0" smtClean="0">
-                <a:latin typeface="Calibri" charset="0"/>
-                <a:ea typeface="ＭＳ Ｐゴシック" charset="0"/>
-              </a:rPr>
-              <a:t>Make </a:t>
-            </a:r>
-            <a:r>
-              <a:rPr lang="en-US" dirty="0">
-                <a:latin typeface="Calibri" charset="0"/>
-                <a:ea typeface="ＭＳ Ｐゴシック" charset="0"/>
-              </a:rPr>
-              <a:t>an assembly GTF file suitable for use with </a:t>
-            </a:r>
-            <a:r>
-              <a:rPr lang="en-US" dirty="0" err="1" smtClean="0">
-                <a:latin typeface="Calibri" charset="0"/>
-                <a:ea typeface="ＭＳ Ｐゴシック" charset="0"/>
-              </a:rPr>
-              <a:t>Cuffdiff</a:t>
-            </a:r>
-            <a:endParaRPr lang="en-US" dirty="0" smtClean="0">
-              <a:latin typeface="Calibri" charset="0"/>
-              <a:ea typeface="ＭＳ Ｐゴシック" charset="0"/>
-            </a:endParaRPr>
-          </a:p>
-          <a:p>
-            <a:pPr lvl="2"/>
-            <a:r>
-              <a:rPr lang="en-US" dirty="0" smtClean="0">
-                <a:latin typeface="Calibri" charset="0"/>
-                <a:ea typeface="ＭＳ Ｐゴシック" charset="0"/>
-              </a:rPr>
-              <a:t>Compare apples to apples</a:t>
-            </a:r>
-          </a:p>
-        </p:txBody>
-      </p:sp>
-    </p:spTree>
-    <p:extLst>
-      <p:ext uri="{BB962C8B-B14F-4D97-AF65-F5344CB8AC3E}">
-        <p14:creationId xmlns:p14="http://schemas.microsoft.com/office/powerpoint/2010/main" val="845932243"/>
-      </p:ext>
-    </p:extLst>
-  </p:cSld>
-  <p:clrMapOvr>
-    <a:masterClrMapping/>
-  </p:clrMapOvr>
-  <p:timing>
-    <p:tnLst>
-      <p:par>
-        <p:cTn xmlns:p14="http://schemas.microsoft.com/office/powerpoint/2010/main" id="1" dur="indefinite" restart="never" nodeType="tmRoot"/>
-      </p:par>
-    </p:tnLst>
-  </p:timing>
-</p:sld>
-</file>
-
-<file path=ppt/slides/slide12.xml><?xml version="1.0" encoding="utf-8"?>
-<p:sld xmlns:a="http://schemas.openxmlformats.org/drawingml/2006/main" xmlns:r="http://schemas.openxmlformats.org/officeDocument/2006/relationships" xmlns:p="http://schemas.openxmlformats.org/presentationml/2006/main">
-  <p:cSld>
-    <p:spTree>
-      <p:nvGrpSpPr>
-        <p:cNvPr id="1" name=""/>
-        <p:cNvGrpSpPr/>
-        <p:nvPr/>
-      </p:nvGrpSpPr>
-      <p:grpSpPr>
-        <a:xfrm>
-          <a:off x="0" y="0"/>
-          <a:ext cx="0" cy="0"/>
-          <a:chOff x="0" y="0"/>
-          <a:chExt cx="0" cy="0"/>
-        </a:xfrm>
-      </p:grpSpPr>
-      <p:sp>
-        <p:nvSpPr>
           <p:cNvPr id="36865" name="Title 1"/>
           <p:cNvSpPr>
             <a:spLocks noGrp="1"/>
@@ -5214,7 +4795,7 @@
 </p:sld>
 </file>
 
-<file path=ppt/slides/slide13.xml><?xml version="1.0" encoding="utf-8"?>
+<file path=ppt/slides/slide12.xml><?xml version="1.0" encoding="utf-8"?>
 <p:sld xmlns:a="http://schemas.openxmlformats.org/drawingml/2006/main" xmlns:r="http://schemas.openxmlformats.org/officeDocument/2006/relationships" xmlns:p="http://schemas.openxmlformats.org/presentationml/2006/main">
   <p:cSld>
     <p:spTree>
@@ -5473,7 +5054,7 @@
 </p:sld>
 </file>
 
-<file path=ppt/slides/slide14.xml><?xml version="1.0" encoding="utf-8"?>
+<file path=ppt/slides/slide13.xml><?xml version="1.0" encoding="utf-8"?>
 <p:sld xmlns:a="http://schemas.openxmlformats.org/drawingml/2006/main" xmlns:r="http://schemas.openxmlformats.org/officeDocument/2006/relationships" xmlns:p="http://schemas.openxmlformats.org/presentationml/2006/main">
   <p:cSld>
     <p:spTree>
@@ -5802,7 +5383,7 @@
 </p:sld>
 </file>
 
-<file path=ppt/slides/slide15.xml><?xml version="1.0" encoding="utf-8"?>
+<file path=ppt/slides/slide14.xml><?xml version="1.0" encoding="utf-8"?>
 <p:sld xmlns:a="http://schemas.openxmlformats.org/drawingml/2006/main" xmlns:r="http://schemas.openxmlformats.org/officeDocument/2006/relationships" xmlns:p="http://schemas.openxmlformats.org/presentationml/2006/main">
   <p:cSld>
     <p:spTree>
@@ -5998,7 +5579,7 @@
 </p:sld>
 </file>
 
-<file path=ppt/slides/slide16.xml><?xml version="1.0" encoding="utf-8"?>
+<file path=ppt/slides/slide15.xml><?xml version="1.0" encoding="utf-8"?>
 <p:sld xmlns:a="http://schemas.openxmlformats.org/drawingml/2006/main" xmlns:r="http://schemas.openxmlformats.org/officeDocument/2006/relationships" xmlns:p="http://schemas.openxmlformats.org/presentationml/2006/main">
   <p:cSld>
     <p:spTree>
@@ -6197,7 +5778,7 @@
 </p:sld>
 </file>
 
-<file path=ppt/slides/slide17.xml><?xml version="1.0" encoding="utf-8"?>
+<file path=ppt/slides/slide16.xml><?xml version="1.0" encoding="utf-8"?>
 <p:sld xmlns:a="http://schemas.openxmlformats.org/drawingml/2006/main" xmlns:r="http://schemas.openxmlformats.org/officeDocument/2006/relationships" xmlns:p="http://schemas.openxmlformats.org/presentationml/2006/main">
   <p:cSld>
     <p:spTree>
@@ -6292,7 +5873,7 @@
 </p:sld>
 </file>
 
-<file path=ppt/slides/slide18.xml><?xml version="1.0" encoding="utf-8"?>
+<file path=ppt/slides/slide17.xml><?xml version="1.0" encoding="utf-8"?>
 <p:sld xmlns:a="http://schemas.openxmlformats.org/drawingml/2006/main" xmlns:r="http://schemas.openxmlformats.org/officeDocument/2006/relationships" xmlns:p="http://schemas.openxmlformats.org/presentationml/2006/main">
   <p:cSld>
     <p:spTree>
@@ -6469,6 +6050,334 @@
     <p:extLst>
       <p:ext uri="{BB962C8B-B14F-4D97-AF65-F5344CB8AC3E}">
         <p14:creationId xmlns:p14="http://schemas.microsoft.com/office/powerpoint/2010/main" val="2229757236"/>
+      </p:ext>
+    </p:extLst>
+  </p:cSld>
+  <p:clrMapOvr>
+    <a:masterClrMapping/>
+  </p:clrMapOvr>
+  <p:timing>
+    <p:tnLst>
+      <p:par>
+        <p:cTn xmlns:p14="http://schemas.microsoft.com/office/powerpoint/2010/main" id="1" dur="indefinite" restart="never" nodeType="tmRoot"/>
+      </p:par>
+    </p:tnLst>
+  </p:timing>
+</p:sld>
+</file>
+
+<file path=ppt/slides/slide18.xml><?xml version="1.0" encoding="utf-8"?>
+<p:sld xmlns:a="http://schemas.openxmlformats.org/drawingml/2006/main" xmlns:r="http://schemas.openxmlformats.org/officeDocument/2006/relationships" xmlns:p="http://schemas.openxmlformats.org/presentationml/2006/main">
+  <p:cSld>
+    <p:spTree>
+      <p:nvGrpSpPr>
+        <p:cNvPr id="1" name=""/>
+        <p:cNvGrpSpPr/>
+        <p:nvPr/>
+      </p:nvGrpSpPr>
+      <p:grpSpPr>
+        <a:xfrm>
+          <a:off x="0" y="0"/>
+          <a:ext cx="0" cy="0"/>
+          <a:chOff x="0" y="0"/>
+          <a:chExt cx="0" cy="0"/>
+        </a:xfrm>
+      </p:grpSpPr>
+      <p:sp>
+        <p:nvSpPr>
+          <p:cNvPr id="35841" name="Title 1"/>
+          <p:cNvSpPr>
+            <a:spLocks noGrp="1"/>
+          </p:cNvSpPr>
+          <p:nvPr>
+            <p:ph type="title"/>
+          </p:nvPr>
+        </p:nvSpPr>
+        <p:spPr>
+          <a:xfrm>
+            <a:off x="152400" y="53752"/>
+            <a:ext cx="8839200" cy="1143000"/>
+          </a:xfrm>
+        </p:spPr>
+        <p:txBody>
+          <a:bodyPr/>
+          <a:lstStyle/>
+          <a:p>
+            <a:r>
+              <a:rPr lang="en-US" dirty="0">
+                <a:latin typeface="Calibri" charset="0"/>
+                <a:ea typeface="ＭＳ Ｐゴシック" charset="0"/>
+              </a:rPr>
+              <a:t>Multiple testing correction</a:t>
+            </a:r>
+          </a:p>
+        </p:txBody>
+      </p:sp>
+      <p:sp>
+        <p:nvSpPr>
+          <p:cNvPr id="35842" name="Content Placeholder 2"/>
+          <p:cNvSpPr>
+            <a:spLocks noGrp="1"/>
+          </p:cNvSpPr>
+          <p:nvPr>
+            <p:ph idx="1"/>
+          </p:nvPr>
+        </p:nvSpPr>
+        <p:spPr>
+          <a:xfrm>
+            <a:off x="152400" y="1196752"/>
+            <a:ext cx="8839200" cy="4968552"/>
+          </a:xfrm>
+        </p:spPr>
+        <p:txBody>
+          <a:bodyPr>
+            <a:normAutofit fontScale="92500" lnSpcReduction="20000"/>
+          </a:bodyPr>
+          <a:lstStyle/>
+          <a:p>
+            <a:r>
+              <a:rPr lang="en-US" dirty="0">
+                <a:latin typeface="Calibri" charset="0"/>
+                <a:ea typeface="ＭＳ Ｐゴシック" charset="0"/>
+              </a:rPr>
+              <a:t>As more attributes are compared, it becomes more likely that the treatment and control groups will appear to differ on at least one attribute by random chance alone.</a:t>
+            </a:r>
+          </a:p>
+          <a:p>
+            <a:r>
+              <a:rPr lang="en-US" dirty="0" smtClean="0">
+                <a:latin typeface="Calibri" charset="0"/>
+                <a:ea typeface="ＭＳ Ｐゴシック" charset="0"/>
+              </a:rPr>
+              <a:t>Well known from array studies</a:t>
+            </a:r>
+          </a:p>
+          <a:p>
+            <a:pPr lvl="1"/>
+            <a:r>
+              <a:rPr lang="en-US" dirty="0" smtClean="0">
+                <a:latin typeface="Calibri" charset="0"/>
+                <a:ea typeface="ＭＳ Ｐゴシック" charset="0"/>
+              </a:rPr>
+              <a:t>10,000s genes/transcripts</a:t>
+            </a:r>
+          </a:p>
+          <a:p>
+            <a:pPr lvl="1"/>
+            <a:r>
+              <a:rPr lang="en-US" dirty="0" smtClean="0">
+                <a:latin typeface="Calibri" charset="0"/>
+                <a:ea typeface="ＭＳ Ｐゴシック" charset="0"/>
+              </a:rPr>
+              <a:t>100,000s exons</a:t>
+            </a:r>
+          </a:p>
+          <a:p>
+            <a:pPr marL="342900" lvl="1" indent="-342900">
+              <a:buFont typeface="Arial" charset="0"/>
+              <a:buChar char="•"/>
+            </a:pPr>
+            <a:r>
+              <a:rPr lang="en-US" dirty="0" smtClean="0">
+                <a:latin typeface="Calibri" charset="0"/>
+                <a:ea typeface="ＭＳ Ｐゴシック" charset="0"/>
+              </a:rPr>
+              <a:t>With RNA-</a:t>
+            </a:r>
+            <a:r>
+              <a:rPr lang="en-US" dirty="0" err="1" smtClean="0">
+                <a:latin typeface="Calibri" charset="0"/>
+                <a:ea typeface="ＭＳ Ｐゴシック" charset="0"/>
+              </a:rPr>
+              <a:t>seq</a:t>
+            </a:r>
+            <a:r>
+              <a:rPr lang="en-US" dirty="0">
+                <a:latin typeface="Calibri" charset="0"/>
+                <a:ea typeface="ＭＳ Ｐゴシック" charset="0"/>
+              </a:rPr>
+              <a:t>, </a:t>
+            </a:r>
+            <a:r>
+              <a:rPr lang="en-US" dirty="0" smtClean="0">
+                <a:latin typeface="Calibri" charset="0"/>
+                <a:ea typeface="ＭＳ Ｐゴシック" charset="0"/>
+              </a:rPr>
+              <a:t>more </a:t>
+            </a:r>
+            <a:r>
+              <a:rPr lang="en-US" dirty="0">
+                <a:latin typeface="Calibri" charset="0"/>
+                <a:ea typeface="ＭＳ Ｐゴシック" charset="0"/>
+              </a:rPr>
+              <a:t>of a problem than </a:t>
+            </a:r>
+            <a:r>
+              <a:rPr lang="en-US" dirty="0" smtClean="0">
+                <a:latin typeface="Calibri" charset="0"/>
+                <a:ea typeface="ＭＳ Ｐゴシック" charset="0"/>
+              </a:rPr>
+              <a:t>ever</a:t>
+            </a:r>
+          </a:p>
+          <a:p>
+            <a:pPr lvl="1"/>
+            <a:r>
+              <a:rPr lang="en-US" dirty="0" smtClean="0">
+                <a:latin typeface="Calibri" charset="0"/>
+                <a:ea typeface="ＭＳ Ｐゴシック" charset="0"/>
+              </a:rPr>
+              <a:t>All the complexity of the </a:t>
+            </a:r>
+            <a:r>
+              <a:rPr lang="en-US" dirty="0" err="1" smtClean="0">
+                <a:latin typeface="Calibri" charset="0"/>
+                <a:ea typeface="ＭＳ Ｐゴシック" charset="0"/>
+              </a:rPr>
+              <a:t>transcriptome</a:t>
+            </a:r>
+            <a:endParaRPr lang="en-US" dirty="0" smtClean="0">
+              <a:latin typeface="Calibri" charset="0"/>
+              <a:ea typeface="ＭＳ Ｐゴシック" charset="0"/>
+            </a:endParaRPr>
+          </a:p>
+          <a:p>
+            <a:pPr lvl="1"/>
+            <a:r>
+              <a:rPr lang="en-US" dirty="0" smtClean="0">
+                <a:latin typeface="Calibri" charset="0"/>
+                <a:ea typeface="ＭＳ Ｐゴシック" charset="0"/>
+              </a:rPr>
+              <a:t>Almost infinite number of potential features</a:t>
+            </a:r>
+          </a:p>
+          <a:p>
+            <a:pPr lvl="2"/>
+            <a:r>
+              <a:rPr lang="en-US" dirty="0" smtClean="0">
+                <a:latin typeface="Calibri" charset="0"/>
+                <a:ea typeface="ＭＳ Ｐゴシック" charset="0"/>
+              </a:rPr>
+              <a:t>Genes, transcripts, exons, </a:t>
+            </a:r>
+            <a:r>
+              <a:rPr lang="en-US" dirty="0" err="1" smtClean="0">
+                <a:latin typeface="Calibri" charset="0"/>
+                <a:ea typeface="ＭＳ Ｐゴシック" charset="0"/>
+              </a:rPr>
+              <a:t>juntions</a:t>
+            </a:r>
+            <a:r>
+              <a:rPr lang="en-US" dirty="0" smtClean="0">
+                <a:latin typeface="Calibri" charset="0"/>
+                <a:ea typeface="ＭＳ Ｐゴシック" charset="0"/>
+              </a:rPr>
+              <a:t>, retained introns, microRNAs, </a:t>
+            </a:r>
+            <a:r>
+              <a:rPr lang="en-US" dirty="0" err="1" smtClean="0">
+                <a:latin typeface="Calibri" charset="0"/>
+                <a:ea typeface="ＭＳ Ｐゴシック" charset="0"/>
+              </a:rPr>
+              <a:t>lncRNAs</a:t>
+            </a:r>
+            <a:r>
+              <a:rPr lang="en-US" dirty="0" smtClean="0">
+                <a:latin typeface="Calibri" charset="0"/>
+                <a:ea typeface="ＭＳ Ｐゴシック" charset="0"/>
+              </a:rPr>
+              <a:t>, </a:t>
+            </a:r>
+            <a:r>
+              <a:rPr lang="en-US" dirty="0" err="1" smtClean="0">
+                <a:latin typeface="Calibri" charset="0"/>
+                <a:ea typeface="ＭＳ Ｐゴシック" charset="0"/>
+              </a:rPr>
+              <a:t>etc</a:t>
+            </a:r>
+            <a:r>
+              <a:rPr lang="en-US" dirty="0" smtClean="0">
+                <a:latin typeface="Calibri" charset="0"/>
+                <a:ea typeface="ＭＳ Ｐゴシック" charset="0"/>
+              </a:rPr>
+              <a:t>, </a:t>
+            </a:r>
+            <a:r>
+              <a:rPr lang="en-US" dirty="0" err="1" smtClean="0">
+                <a:latin typeface="Calibri" charset="0"/>
+                <a:ea typeface="ＭＳ Ｐゴシック" charset="0"/>
+              </a:rPr>
+              <a:t>etc</a:t>
+            </a:r>
+            <a:endParaRPr lang="en-US" dirty="0" smtClean="0">
+              <a:latin typeface="Calibri" charset="0"/>
+              <a:ea typeface="ＭＳ Ｐゴシック" charset="0"/>
+            </a:endParaRPr>
+          </a:p>
+          <a:p>
+            <a:r>
+              <a:rPr lang="en-US" dirty="0" err="1" smtClean="0">
+                <a:latin typeface="Calibri" charset="0"/>
+                <a:ea typeface="ＭＳ Ｐゴシック" charset="0"/>
+              </a:rPr>
+              <a:t>Bioconductor</a:t>
+            </a:r>
+            <a:r>
+              <a:rPr lang="en-US" dirty="0" smtClean="0">
+                <a:latin typeface="Calibri" charset="0"/>
+                <a:ea typeface="ＭＳ Ｐゴシック" charset="0"/>
+              </a:rPr>
+              <a:t> </a:t>
+            </a:r>
+            <a:r>
+              <a:rPr lang="en-US" dirty="0" err="1" smtClean="0">
+                <a:latin typeface="Calibri" charset="0"/>
+                <a:ea typeface="ＭＳ Ｐゴシック" charset="0"/>
+              </a:rPr>
+              <a:t>multtest</a:t>
+            </a:r>
+            <a:endParaRPr lang="en-US" dirty="0" smtClean="0">
+              <a:latin typeface="Calibri" charset="0"/>
+              <a:ea typeface="ＭＳ Ｐゴシック" charset="0"/>
+            </a:endParaRPr>
+          </a:p>
+          <a:p>
+            <a:pPr lvl="1"/>
+            <a:r>
+              <a:rPr lang="en-US" dirty="0" smtClean="0">
+                <a:latin typeface="Calibri" charset="0"/>
+                <a:ea typeface="ＭＳ Ｐゴシック" charset="0"/>
+                <a:hlinkClick r:id="rId2"/>
+              </a:rPr>
+              <a:t>http</a:t>
+            </a:r>
+            <a:r>
+              <a:rPr lang="en-US" dirty="0">
+                <a:latin typeface="Calibri" charset="0"/>
+                <a:ea typeface="ＭＳ Ｐゴシック" charset="0"/>
+                <a:hlinkClick r:id="rId2"/>
+              </a:rPr>
+              <a:t>://www.bioconductor.org/packages/release/bioc/</a:t>
+            </a:r>
+            <a:r>
+              <a:rPr lang="en-US" dirty="0" smtClean="0">
+                <a:latin typeface="Calibri" charset="0"/>
+                <a:ea typeface="ＭＳ Ｐゴシック" charset="0"/>
+                <a:hlinkClick r:id="rId2"/>
+              </a:rPr>
+              <a:t>html/multtest.html</a:t>
+            </a:r>
+            <a:endParaRPr lang="en-US" dirty="0">
+              <a:latin typeface="Calibri" charset="0"/>
+              <a:ea typeface="ＭＳ Ｐゴシック" charset="0"/>
+            </a:endParaRPr>
+          </a:p>
+        </p:txBody>
+      </p:sp>
+    </p:spTree>
+    <p:extLst>
+      <p:ext uri="{BB962C8B-B14F-4D97-AF65-F5344CB8AC3E}">
+        <p14:creationId xmlns:p14="http://schemas.microsoft.com/office/powerpoint/2010/main" val="1870731989"/>
       </p:ext>
     </p:extLst>
   </p:cSld>
@@ -6504,7 +6413,7 @@
       </p:grpSpPr>
       <p:sp>
         <p:nvSpPr>
-          <p:cNvPr id="35841" name="Title 1"/>
+          <p:cNvPr id="16385" name="Title 1"/>
           <p:cNvSpPr>
             <a:spLocks noGrp="1"/>
           </p:cNvSpPr>
@@ -6514,7 +6423,7 @@
         </p:nvSpPr>
         <p:spPr>
           <a:xfrm>
-            <a:off x="152400" y="53752"/>
+            <a:off x="152400" y="44624"/>
             <a:ext cx="8839200" cy="1143000"/>
           </a:xfrm>
         </p:spPr>
@@ -6523,18 +6432,29 @@
           <a:lstStyle/>
           <a:p>
             <a:r>
-              <a:rPr lang="en-US" dirty="0">
-                <a:latin typeface="Calibri" charset="0"/>
-                <a:ea typeface="ＭＳ Ｐゴシック" charset="0"/>
-              </a:rPr>
-              <a:t>Multiple testing correction</a:t>
-            </a:r>
+              <a:rPr lang="en-US" sz="3600" dirty="0">
+                <a:latin typeface="Calibri" charset="0"/>
+                <a:ea typeface="ＭＳ Ｐゴシック" charset="0"/>
+              </a:rPr>
+              <a:t>Downstream interpretation of expression </a:t>
+            </a:r>
+            <a:r>
+              <a:rPr lang="en-US" sz="3600" dirty="0" smtClean="0">
+                <a:latin typeface="Calibri" charset="0"/>
+                <a:ea typeface="ＭＳ Ｐゴシック" charset="0"/>
+              </a:rPr>
+              <a:t>analysis</a:t>
+            </a:r>
+            <a:endParaRPr lang="en-US" sz="3600" dirty="0">
+              <a:latin typeface="Calibri" charset="0"/>
+              <a:ea typeface="ＭＳ Ｐゴシック" charset="0"/>
+            </a:endParaRPr>
           </a:p>
         </p:txBody>
       </p:sp>
       <p:sp>
         <p:nvSpPr>
-          <p:cNvPr id="35842" name="Content Placeholder 2"/>
+          <p:cNvPr id="2" name="Content Placeholder 1"/>
           <p:cNvSpPr>
             <a:spLocks noGrp="1"/>
           </p:cNvSpPr>
@@ -6544,116 +6464,74 @@
         </p:nvSpPr>
         <p:spPr>
           <a:xfrm>
-            <a:off x="152400" y="1196752"/>
-            <a:ext cx="8839200" cy="4968552"/>
+            <a:off x="152400" y="1484784"/>
+            <a:ext cx="8839200" cy="4724400"/>
           </a:xfrm>
         </p:spPr>
         <p:txBody>
           <a:bodyPr>
-            <a:normAutofit fontScale="92500" lnSpcReduction="20000"/>
+            <a:normAutofit fontScale="62500" lnSpcReduction="20000"/>
           </a:bodyPr>
           <a:lstStyle/>
           <a:p>
             <a:r>
-              <a:rPr lang="en-US" dirty="0">
-                <a:latin typeface="Calibri" charset="0"/>
-                <a:ea typeface="ＭＳ Ｐゴシック" charset="0"/>
-              </a:rPr>
-              <a:t>As more attributes are compared, it becomes more likely that the treatment and control groups will appear to differ on at least one attribute by random chance alone.</a:t>
-            </a:r>
-          </a:p>
-          <a:p>
-            <a:r>
               <a:rPr lang="en-US" dirty="0" smtClean="0">
                 <a:latin typeface="Calibri" charset="0"/>
                 <a:ea typeface="ＭＳ Ｐゴシック" charset="0"/>
               </a:rPr>
-              <a:t>Well known from array studies</a:t>
-            </a:r>
-          </a:p>
-          <a:p>
-            <a:pPr lvl="1"/>
+              <a:t>Topic for an entire course</a:t>
+            </a:r>
+          </a:p>
+          <a:p>
             <a:r>
               <a:rPr lang="en-US" dirty="0" smtClean="0">
                 <a:latin typeface="Calibri" charset="0"/>
                 <a:ea typeface="ＭＳ Ｐゴシック" charset="0"/>
               </a:rPr>
-              <a:t>10,000s genes/transcripts</a:t>
-            </a:r>
-          </a:p>
-          <a:p>
-            <a:pPr lvl="1"/>
+              <a:t>Expression estimates and differential expression lists from cufflinks/</a:t>
+            </a:r>
+            <a:r>
+              <a:rPr lang="en-US" dirty="0" err="1" smtClean="0">
+                <a:latin typeface="Calibri" charset="0"/>
+                <a:ea typeface="ＭＳ Ｐゴシック" charset="0"/>
+              </a:rPr>
+              <a:t>cuffdiff</a:t>
+            </a:r>
             <a:r>
               <a:rPr lang="en-US" dirty="0" smtClean="0">
                 <a:latin typeface="Calibri" charset="0"/>
                 <a:ea typeface="ＭＳ Ｐゴシック" charset="0"/>
               </a:rPr>
-              <a:t>100,000s exons</a:t>
-            </a:r>
-          </a:p>
-          <a:p>
-            <a:pPr marL="342900" lvl="1" indent="-342900">
-              <a:buFont typeface="Arial" charset="0"/>
-              <a:buChar char="•"/>
-            </a:pPr>
+              <a:t> (or alternative) can be fed into many analysis pipelines</a:t>
+            </a:r>
+          </a:p>
+          <a:p>
             <a:r>
               <a:rPr lang="en-US" dirty="0" smtClean="0">
                 <a:latin typeface="Calibri" charset="0"/>
                 <a:ea typeface="ＭＳ Ｐゴシック" charset="0"/>
               </a:rPr>
-              <a:t>With RNA-</a:t>
+              <a:t>See supplemental R tutorial for how to format cufflinks data and start manipulating in R</a:t>
+            </a:r>
+            <a:endParaRPr lang="en-US" dirty="0">
+              <a:latin typeface="Calibri" charset="0"/>
+              <a:ea typeface="ＭＳ Ｐゴシック" charset="0"/>
+            </a:endParaRPr>
+          </a:p>
+          <a:p>
+            <a:r>
+              <a:rPr lang="en-US" dirty="0" smtClean="0">
+                <a:latin typeface="Calibri" charset="0"/>
+                <a:ea typeface="ＭＳ Ｐゴシック" charset="0"/>
+              </a:rPr>
+              <a:t>Clustering/</a:t>
             </a:r>
             <a:r>
               <a:rPr lang="en-US" dirty="0" err="1" smtClean="0">
                 <a:latin typeface="Calibri" charset="0"/>
                 <a:ea typeface="ＭＳ Ｐゴシック" charset="0"/>
               </a:rPr>
-              <a:t>seq</a:t>
-            </a:r>
-            <a:r>
-              <a:rPr lang="en-US" dirty="0">
-                <a:latin typeface="Calibri" charset="0"/>
-                <a:ea typeface="ＭＳ Ｐゴシック" charset="0"/>
-              </a:rPr>
-              <a:t>, </a:t>
-            </a:r>
-            <a:r>
-              <a:rPr lang="en-US" dirty="0" smtClean="0">
-                <a:latin typeface="Calibri" charset="0"/>
-                <a:ea typeface="ＭＳ Ｐゴシック" charset="0"/>
-              </a:rPr>
-              <a:t>more </a:t>
-            </a:r>
-            <a:r>
-              <a:rPr lang="en-US" dirty="0">
-                <a:latin typeface="Calibri" charset="0"/>
-                <a:ea typeface="ＭＳ Ｐゴシック" charset="0"/>
-              </a:rPr>
-              <a:t>of a problem than </a:t>
-            </a:r>
-            <a:r>
-              <a:rPr lang="en-US" dirty="0" smtClean="0">
-                <a:latin typeface="Calibri" charset="0"/>
-                <a:ea typeface="ＭＳ Ｐゴシック" charset="0"/>
-              </a:rPr>
-              <a:t>ever</a:t>
-            </a:r>
-          </a:p>
-          <a:p>
-            <a:pPr lvl="1"/>
-            <a:r>
-              <a:rPr lang="en-US" dirty="0" smtClean="0">
-                <a:latin typeface="Calibri" charset="0"/>
-                <a:ea typeface="ＭＳ Ｐゴシック" charset="0"/>
-              </a:rPr>
-              <a:t>All the complexity of the </a:t>
-            </a:r>
-            <a:r>
-              <a:rPr lang="en-US" dirty="0" err="1" smtClean="0">
-                <a:latin typeface="Calibri" charset="0"/>
-                <a:ea typeface="ＭＳ Ｐゴシック" charset="0"/>
-              </a:rPr>
-              <a:t>transcriptome</a:t>
+              <a:t>Heatmaps</a:t>
             </a:r>
             <a:endParaRPr lang="en-US" dirty="0" smtClean="0">
               <a:latin typeface="Calibri" charset="0"/>
@@ -6667,66 +6545,179 @@
                 <a:latin typeface="Calibri" charset="0"/>
                 <a:ea typeface="ＭＳ Ｐゴシック" charset="0"/>
               </a:rPr>
-              <a:t>Almost infinite number of potential features</a:t>
+              <a:t>Provided by </a:t>
+            </a:r>
+            <a:r>
+              <a:rPr lang="en-US" dirty="0" err="1" smtClean="0">
+                <a:latin typeface="Calibri" charset="0"/>
+                <a:ea typeface="ＭＳ Ｐゴシック" charset="0"/>
+              </a:rPr>
+              <a:t>cummeRbund</a:t>
+            </a:r>
+            <a:endParaRPr lang="en-US" dirty="0">
+              <a:latin typeface="Calibri" charset="0"/>
+              <a:ea typeface="ＭＳ Ｐゴシック" charset="0"/>
+            </a:endParaRPr>
+          </a:p>
+          <a:p>
+            <a:pPr lvl="1"/>
+            <a:r>
+              <a:rPr lang="en-US" dirty="0" smtClean="0">
+                <a:latin typeface="Calibri" charset="0"/>
+                <a:ea typeface="ＭＳ Ｐゴシック" charset="0"/>
+              </a:rPr>
+              <a:t>For more customized analysis various R packages exist: </a:t>
             </a:r>
           </a:p>
           <a:p>
             <a:pPr lvl="2"/>
             <a:r>
+              <a:rPr lang="en-US" dirty="0" err="1">
+                <a:latin typeface="Calibri" charset="0"/>
+                <a:ea typeface="ＭＳ Ｐゴシック" charset="0"/>
+              </a:rPr>
+              <a:t>h</a:t>
+            </a:r>
+            <a:r>
+              <a:rPr lang="en-US" dirty="0" err="1" smtClean="0">
+                <a:latin typeface="Calibri" charset="0"/>
+                <a:ea typeface="ＭＳ Ｐゴシック" charset="0"/>
+              </a:rPr>
+              <a:t>clust</a:t>
+            </a:r>
+            <a:r>
               <a:rPr lang="en-US" dirty="0" smtClean="0">
                 <a:latin typeface="Calibri" charset="0"/>
                 <a:ea typeface="ＭＳ Ｐゴシック" charset="0"/>
               </a:rPr>
-              <a:t>Genes, transcripts, exons, </a:t>
+              <a:t>, heatmap.2,</a:t>
+            </a:r>
+            <a:r>
+              <a:rPr lang="en-US" dirty="0">
+                <a:latin typeface="Calibri" charset="0"/>
+                <a:ea typeface="ＭＳ Ｐゴシック" charset="0"/>
+              </a:rPr>
+              <a:t> </a:t>
             </a:r>
             <a:r>
               <a:rPr lang="en-US" dirty="0" err="1" smtClean="0">
                 <a:latin typeface="Calibri" charset="0"/>
                 <a:ea typeface="ＭＳ Ｐゴシック" charset="0"/>
               </a:rPr>
-              <a:t>juntions</a:t>
+              <a:t>plotrix</a:t>
             </a:r>
             <a:r>
               <a:rPr lang="en-US" dirty="0" smtClean="0">
                 <a:latin typeface="Calibri" charset="0"/>
                 <a:ea typeface="ＭＳ Ｐゴシック" charset="0"/>
               </a:rPr>
-              <a:t>, retained introns, microRNAs, </a:t>
-            </a:r>
+              <a:t>, ggplot2, etc.</a:t>
+            </a:r>
+          </a:p>
+          <a:p>
+            <a:r>
+              <a:rPr lang="en-US" dirty="0" smtClean="0">
+                <a:latin typeface="Calibri" charset="0"/>
+                <a:ea typeface="ＭＳ Ｐゴシック" charset="0"/>
+              </a:rPr>
+              <a:t>Classification</a:t>
+            </a:r>
+          </a:p>
+          <a:p>
+            <a:pPr lvl="1"/>
+            <a:r>
+              <a:rPr lang="en-US" dirty="0" smtClean="0">
+                <a:latin typeface="Calibri" charset="0"/>
+                <a:ea typeface="ＭＳ Ｐゴシック" charset="0"/>
+              </a:rPr>
+              <a:t>For RNA-seq data we still rarely have sufficient sample size and clinical details but this is changing</a:t>
+            </a:r>
+          </a:p>
+          <a:p>
+            <a:pPr lvl="2"/>
             <a:r>
               <a:rPr lang="en-US" dirty="0" err="1" smtClean="0">
                 <a:latin typeface="Calibri" charset="0"/>
                 <a:ea typeface="ＭＳ Ｐゴシック" charset="0"/>
               </a:rPr>
-              <a:t>lncRNAs</a:t>
+              <a:t>Weka</a:t>
             </a:r>
             <a:r>
               <a:rPr lang="en-US" dirty="0" smtClean="0">
                 <a:latin typeface="Calibri" charset="0"/>
                 <a:ea typeface="ＭＳ Ｐゴシック" charset="0"/>
               </a:rPr>
-              <a:t>, </a:t>
-            </a:r>
+              <a:t> is a good learning tool</a:t>
+            </a:r>
+          </a:p>
+          <a:p>
+            <a:pPr lvl="2"/>
             <a:r>
               <a:rPr lang="en-US" dirty="0" err="1" smtClean="0">
                 <a:latin typeface="Calibri" charset="0"/>
                 <a:ea typeface="ＭＳ Ｐゴシック" charset="0"/>
               </a:rPr>
-              <a:t>etc</a:t>
+              <a:t>RandomForests</a:t>
             </a:r>
             <a:r>
               <a:rPr lang="en-US" dirty="0" smtClean="0">
                 <a:latin typeface="Calibri" charset="0"/>
                 <a:ea typeface="ＭＳ Ｐゴシック" charset="0"/>
               </a:rPr>
-              <a:t>, </a:t>
+              <a:t> R package (</a:t>
             </a:r>
             <a:r>
               <a:rPr lang="en-US" dirty="0" err="1" smtClean="0">
                 <a:latin typeface="Calibri" charset="0"/>
                 <a:ea typeface="ＭＳ Ｐゴシック" charset="0"/>
               </a:rPr>
-              <a:t>etc</a:t>
+              <a:t>biostar</a:t>
+            </a:r>
+            <a:r>
+              <a:rPr lang="en-US" dirty="0" smtClean="0">
+                <a:latin typeface="Calibri" charset="0"/>
+                <a:ea typeface="ＭＳ Ｐゴシック" charset="0"/>
+              </a:rPr>
+              <a:t> tutorial being developed)</a:t>
+            </a:r>
+          </a:p>
+          <a:p>
+            <a:r>
+              <a:rPr lang="en-US" dirty="0" smtClean="0">
+                <a:latin typeface="Calibri" charset="0"/>
+                <a:ea typeface="ＭＳ Ｐゴシック" charset="0"/>
+              </a:rPr>
+              <a:t>Pathway analysis</a:t>
+            </a:r>
+          </a:p>
+          <a:p>
+            <a:pPr lvl="1"/>
+            <a:r>
+              <a:rPr lang="en-US" dirty="0" smtClean="0">
+                <a:latin typeface="Calibri" charset="0"/>
+                <a:ea typeface="ＭＳ Ｐゴシック" charset="0"/>
+              </a:rPr>
+              <a:t>David</a:t>
+            </a:r>
+          </a:p>
+          <a:p>
+            <a:pPr lvl="1"/>
+            <a:r>
+              <a:rPr lang="en-US" dirty="0" smtClean="0">
+                <a:latin typeface="Calibri" charset="0"/>
+                <a:ea typeface="ＭＳ Ｐゴシック" charset="0"/>
+              </a:rPr>
+              <a:t>IPA</a:t>
+            </a:r>
+          </a:p>
+          <a:p>
+            <a:pPr lvl="1"/>
+            <a:r>
+              <a:rPr lang="en-US" dirty="0" err="1" smtClean="0">
+                <a:latin typeface="Calibri" charset="0"/>
+                <a:ea typeface="ＭＳ Ｐゴシック" charset="0"/>
+              </a:rPr>
+              <a:t>Cytoscape</a:t>
             </a:r>
             <a:endParaRPr lang="en-US" dirty="0" smtClean="0">
               <a:latin typeface="Calibri" charset="0"/>
@@ -6734,26 +6725,43 @@
             </a:endParaRPr>
           </a:p>
           <a:p>
+            <a:pPr lvl="1"/>
+            <a:r>
+              <a:rPr lang="en-US" dirty="0" smtClean="0">
+                <a:latin typeface="Calibri" charset="0"/>
+                <a:ea typeface="ＭＳ Ｐゴシック" charset="0"/>
+              </a:rPr>
+              <a:t>Many R/</a:t>
+            </a:r>
             <a:r>
               <a:rPr lang="en-US" dirty="0" err="1" smtClean="0">
                 <a:latin typeface="Calibri" charset="0"/>
                 <a:ea typeface="ＭＳ Ｐゴシック" charset="0"/>
               </a:rPr>
-              <a:t>Bioconductor</a:t>
+              <a:t>BioConductor</a:t>
+            </a:r>
+            <a:r>
+              <a:rPr lang="en-US" dirty="0">
+                <a:latin typeface="Calibri" charset="0"/>
+                <a:ea typeface="ＭＳ Ｐゴシック" charset="0"/>
+              </a:rPr>
+              <a:t> packages: </a:t>
+            </a:r>
+            <a:r>
+              <a:rPr lang="en-US" dirty="0">
+                <a:latin typeface="Calibri" charset="0"/>
+                <a:ea typeface="ＭＳ Ｐゴシック" charset="0"/>
+                <a:hlinkClick r:id="rId2"/>
+              </a:rPr>
+              <a:t>http://www.bioconductor.org/help/search/index.html?q=</a:t>
             </a:r>
             <a:r>
               <a:rPr lang="en-US" dirty="0" smtClean="0">
                 <a:latin typeface="Calibri" charset="0"/>
                 <a:ea typeface="ＭＳ Ｐゴシック" charset="0"/>
-              </a:rPr>
-              <a:t> </a:t>
-            </a:r>
-            <a:r>
-              <a:rPr lang="en-US" dirty="0" err="1" smtClean="0">
-                <a:latin typeface="Calibri" charset="0"/>
-                <a:ea typeface="ＭＳ Ｐゴシック" charset="0"/>
-              </a:rPr>
-              <a:t>multtest</a:t>
+                <a:hlinkClick r:id="rId2"/>
+              </a:rPr>
+              <a:t>pathway</a:t>
             </a:r>
             <a:endParaRPr lang="en-US" dirty="0" smtClean="0">
               <a:latin typeface="Calibri" charset="0"/>
@@ -6762,31 +6770,7 @@
           </a:p>
           <a:p>
             <a:pPr lvl="1"/>
-            <a:r>
-              <a:rPr lang="en-US" dirty="0" smtClean="0">
-                <a:latin typeface="Calibri" charset="0"/>
-                <a:ea typeface="ＭＳ Ｐゴシック" charset="0"/>
-                <a:hlinkClick r:id="rId2"/>
-              </a:rPr>
-              <a:t>http</a:t>
-            </a:r>
-            <a:r>
-              <a:rPr lang="en-US" dirty="0">
-                <a:latin typeface="Calibri" charset="0"/>
-                <a:ea typeface="ＭＳ Ｐゴシック" charset="0"/>
-                <a:hlinkClick r:id="rId2"/>
-              </a:rPr>
-              <a:t>://www.bioconductor.org/packages/release/bioc/</a:t>
-            </a:r>
-            <a:r>
-              <a:rPr lang="en-US" dirty="0" smtClean="0">
-                <a:latin typeface="Calibri" charset="0"/>
-                <a:ea typeface="ＭＳ Ｐゴシック" charset="0"/>
-                <a:hlinkClick r:id="rId2"/>
-              </a:rPr>
-              <a:t>html/multtest.html</a:t>
-            </a:r>
-            <a:endParaRPr lang="en-US" dirty="0">
+            <a:endParaRPr lang="en-US" dirty="0" smtClean="0">
               <a:latin typeface="Calibri" charset="0"/>
               <a:ea typeface="ＭＳ Ｐゴシック" charset="0"/>
             </a:endParaRPr>
@@ -6796,7 +6780,7 @@
     </p:spTree>
     <p:extLst>
       <p:ext uri="{BB962C8B-B14F-4D97-AF65-F5344CB8AC3E}">
-        <p14:creationId xmlns:p14="http://schemas.microsoft.com/office/powerpoint/2010/main" val="1870731989"/>
+        <p14:creationId xmlns:p14="http://schemas.microsoft.com/office/powerpoint/2010/main" val="983620539"/>
       </p:ext>
     </p:extLst>
   </p:cSld>
@@ -6830,81 +6814,18 @@
           <a:chExt cx="0" cy="0"/>
         </a:xfrm>
       </p:grpSpPr>
-      <p:pic>
-        <p:nvPicPr>
-          <p:cNvPr id="2" name="Picture 1" descr="CSHL_Logo.eps"/>
-          <p:cNvPicPr>
-            <a:picLocks noChangeAspect="1"/>
-          </p:cNvPicPr>
-          <p:nvPr/>
-        </p:nvPicPr>
-        <p:blipFill>
-          <a:blip r:embed="rId2">
-            <a:extLst>
-              <a:ext uri="{28A0092B-C50C-407E-A947-70E740481C1C}">
-                <a14:useLocalDpi xmlns:a14="http://schemas.microsoft.com/office/drawing/2010/main" val="0"/>
-              </a:ext>
-            </a:extLst>
-          </a:blip>
-          <a:stretch>
-            <a:fillRect/>
-          </a:stretch>
-        </p:blipFill>
-        <p:spPr>
-          <a:xfrm>
-            <a:off x="1475656" y="5445224"/>
-            <a:ext cx="2594868" cy="994509"/>
-          </a:xfrm>
-          <a:prstGeom prst="rect">
-            <a:avLst/>
-          </a:prstGeom>
-          <a:solidFill>
-            <a:schemeClr val="bg1"/>
-          </a:solidFill>
-        </p:spPr>
-      </p:pic>
-      <p:pic>
-        <p:nvPicPr>
-          <p:cNvPr id="3" name="Picture 2" descr="NYGC_logo.jpeg"/>
-          <p:cNvPicPr>
-            <a:picLocks noChangeAspect="1"/>
-          </p:cNvPicPr>
-          <p:nvPr/>
-        </p:nvPicPr>
-        <p:blipFill>
-          <a:blip r:embed="rId3" cstate="print">
-            <a:extLst>
-              <a:ext uri="{28A0092B-C50C-407E-A947-70E740481C1C}">
-                <a14:useLocalDpi xmlns:a14="http://schemas.microsoft.com/office/drawing/2010/main" val="0"/>
-              </a:ext>
-            </a:extLst>
-          </a:blip>
-          <a:stretch>
-            <a:fillRect/>
-          </a:stretch>
-        </p:blipFill>
-        <p:spPr>
-          <a:xfrm>
-            <a:off x="5364088" y="5013176"/>
-            <a:ext cx="2224796" cy="1483197"/>
-          </a:xfrm>
-          <a:prstGeom prst="rect">
-            <a:avLst/>
-          </a:prstGeom>
-        </p:spPr>
-      </p:pic>
       <p:sp>
         <p:nvSpPr>
-          <p:cNvPr id="6" name="Rectangle 2"/>
+          <p:cNvPr id="10241" name="Slide Number Placeholder 1"/>
           <p:cNvSpPr txBox="1">
-            <a:spLocks noChangeArrowheads="1"/>
+            <a:spLocks noGrp="1"/>
           </p:cNvSpPr>
           <p:nvPr/>
         </p:nvSpPr>
         <p:spPr bwMode="auto">
           <a:xfrm>
-            <a:off x="650839" y="3277344"/>
-            <a:ext cx="7772400" cy="1447800"/>
+            <a:off x="6553200" y="6248400"/>
+            <a:ext cx="1905000" cy="457200"/>
           </a:xfrm>
           <a:prstGeom prst="rect">
             <a:avLst/>
@@ -6931,235 +6852,141 @@
                 <a:tailEnd/>
               </a14:hiddenLine>
             </a:ext>
-            <a:ext uri="{FAA26D3D-D897-4be2-8F04-BA451C77F1D7}">
-              <ma14:placeholderFlag xmlns:ma14="http://schemas.microsoft.com/office/mac/drawingml/2011/main" val="1"/>
-            </a:ext>
           </a:extLst>
         </p:spPr>
         <p:txBody>
-          <a:bodyPr vert="horz" wrap="square" lIns="91440" tIns="45720" rIns="91440" bIns="45720" numCol="1" anchor="ctr" anchorCtr="0" compatLnSpc="1">
-            <a:prstTxWarp prst="textNoShape">
-              <a:avLst/>
-            </a:prstTxWarp>
-          </a:bodyPr>
+          <a:bodyPr/>
           <a:lstStyle>
-            <a:lvl1pPr algn="ctr" rtl="0" eaLnBrk="0" fontAlgn="base" hangingPunct="0">
+            <a:lvl1pPr eaLnBrk="0" hangingPunct="0">
+              <a:defRPr sz="2400">
+                <a:solidFill>
+                  <a:schemeClr val="tx1"/>
+                </a:solidFill>
+                <a:latin typeface="Arial" charset="0"/>
+                <a:ea typeface="ＭＳ Ｐゴシック" charset="0"/>
+                <a:cs typeface="ＭＳ Ｐゴシック" charset="0"/>
+              </a:defRPr>
+            </a:lvl1pPr>
+            <a:lvl2pPr marL="742950" indent="-285750" eaLnBrk="0" hangingPunct="0">
+              <a:defRPr sz="2400">
+                <a:solidFill>
+                  <a:schemeClr val="tx1"/>
+                </a:solidFill>
+                <a:latin typeface="Arial" charset="0"/>
+                <a:ea typeface="ＭＳ Ｐゴシック" charset="0"/>
+              </a:defRPr>
+            </a:lvl2pPr>
+            <a:lvl3pPr marL="1143000" indent="-228600" eaLnBrk="0" hangingPunct="0">
+              <a:defRPr sz="2400">
+                <a:solidFill>
+                  <a:schemeClr val="tx1"/>
+                </a:solidFill>
+                <a:latin typeface="Arial" charset="0"/>
+                <a:ea typeface="ＭＳ Ｐゴシック" charset="0"/>
+              </a:defRPr>
+            </a:lvl3pPr>
+            <a:lvl4pPr marL="1600200" indent="-228600" eaLnBrk="0" hangingPunct="0">
+              <a:defRPr sz="2400">
+                <a:solidFill>
+                  <a:schemeClr val="tx1"/>
+                </a:solidFill>
+                <a:latin typeface="Arial" charset="0"/>
+                <a:ea typeface="ＭＳ Ｐゴシック" charset="0"/>
+              </a:defRPr>
+            </a:lvl4pPr>
+            <a:lvl5pPr marL="2057400" indent="-228600" eaLnBrk="0" hangingPunct="0">
+              <a:defRPr sz="2400">
+                <a:solidFill>
+                  <a:schemeClr val="tx1"/>
+                </a:solidFill>
+                <a:latin typeface="Arial" charset="0"/>
+                <a:ea typeface="ＭＳ Ｐゴシック" charset="0"/>
+              </a:defRPr>
+            </a:lvl5pPr>
+            <a:lvl6pPr marL="2514600" indent="-228600" eaLnBrk="0" fontAlgn="base" hangingPunct="0">
               <a:spcBef>
                 <a:spcPct val="0"/>
               </a:spcBef>
               <a:spcAft>
                 <a:spcPct val="0"/>
               </a:spcAft>
-              <a:defRPr sz="4000" b="1" kern="1200">
-                <a:solidFill>
-                  <a:schemeClr val="tx1"/>
-                </a:solidFill>
-                <a:latin typeface="Calibri"/>
-                <a:ea typeface="ＭＳ Ｐゴシック" pitchFamily="-28" charset="-128"/>
-                <a:cs typeface="Calibri"/>
-              </a:defRPr>
-            </a:lvl1pPr>
-            <a:lvl2pPr algn="ctr" rtl="0" eaLnBrk="0" fontAlgn="base" hangingPunct="0">
+              <a:defRPr sz="2400">
+                <a:solidFill>
+                  <a:schemeClr val="tx1"/>
+                </a:solidFill>
+                <a:latin typeface="Arial" charset="0"/>
+                <a:ea typeface="ＭＳ Ｐゴシック" charset="0"/>
+              </a:defRPr>
+            </a:lvl6pPr>
+            <a:lvl7pPr marL="2971800" indent="-228600" eaLnBrk="0" fontAlgn="base" hangingPunct="0">
               <a:spcBef>
                 <a:spcPct val="0"/>
               </a:spcBef>
               <a:spcAft>
                 <a:spcPct val="0"/>
               </a:spcAft>
-              <a:defRPr sz="4000" b="1">
-                <a:solidFill>
-                  <a:schemeClr val="tx1"/>
-                </a:solidFill>
-                <a:latin typeface="Calibri" charset="0"/>
-                <a:ea typeface="ＭＳ Ｐゴシック" pitchFamily="-28" charset="-128"/>
-                <a:cs typeface="ＭＳ Ｐゴシック" pitchFamily="-28" charset="-128"/>
-              </a:defRPr>
-            </a:lvl2pPr>
-            <a:lvl3pPr algn="ctr" rtl="0" eaLnBrk="0" fontAlgn="base" hangingPunct="0">
+              <a:defRPr sz="2400">
+                <a:solidFill>
+                  <a:schemeClr val="tx1"/>
+                </a:solidFill>
+                <a:latin typeface="Arial" charset="0"/>
+                <a:ea typeface="ＭＳ Ｐゴシック" charset="0"/>
+              </a:defRPr>
+            </a:lvl7pPr>
+            <a:lvl8pPr marL="3429000" indent="-228600" eaLnBrk="0" fontAlgn="base" hangingPunct="0">
               <a:spcBef>
                 <a:spcPct val="0"/>
               </a:spcBef>
               <a:spcAft>
                 <a:spcPct val="0"/>
               </a:spcAft>
-              <a:defRPr sz="4000" b="1">
-                <a:solidFill>
-                  <a:schemeClr val="tx1"/>
-                </a:solidFill>
-                <a:latin typeface="Calibri" charset="0"/>
-                <a:ea typeface="ＭＳ Ｐゴシック" pitchFamily="-28" charset="-128"/>
-                <a:cs typeface="ＭＳ Ｐゴシック" pitchFamily="-28" charset="-128"/>
-              </a:defRPr>
-            </a:lvl3pPr>
-            <a:lvl4pPr algn="ctr" rtl="0" eaLnBrk="0" fontAlgn="base" hangingPunct="0">
+              <a:defRPr sz="2400">
+                <a:solidFill>
+                  <a:schemeClr val="tx1"/>
+                </a:solidFill>
+                <a:latin typeface="Arial" charset="0"/>
+                <a:ea typeface="ＭＳ Ｐゴシック" charset="0"/>
+              </a:defRPr>
+            </a:lvl8pPr>
+            <a:lvl9pPr marL="3886200" indent="-228600" eaLnBrk="0" fontAlgn="base" hangingPunct="0">
               <a:spcBef>
                 <a:spcPct val="0"/>
               </a:spcBef>
               <a:spcAft>
                 <a:spcPct val="0"/>
               </a:spcAft>
-              <a:defRPr sz="4000" b="1">
-                <a:solidFill>
-                  <a:schemeClr val="tx1"/>
-                </a:solidFill>
-                <a:latin typeface="Calibri" charset="0"/>
-                <a:ea typeface="ＭＳ Ｐゴシック" pitchFamily="-28" charset="-128"/>
-                <a:cs typeface="ＭＳ Ｐゴシック" pitchFamily="-28" charset="-128"/>
-              </a:defRPr>
-            </a:lvl4pPr>
-            <a:lvl5pPr algn="ctr" rtl="0" eaLnBrk="0" fontAlgn="base" hangingPunct="0">
-              <a:spcBef>
-                <a:spcPct val="0"/>
-              </a:spcBef>
-              <a:spcAft>
-                <a:spcPct val="0"/>
-              </a:spcAft>
-              <a:defRPr sz="4000" b="1">
-                <a:solidFill>
-                  <a:schemeClr val="tx1"/>
-                </a:solidFill>
-                <a:latin typeface="Calibri" charset="0"/>
-                <a:ea typeface="ＭＳ Ｐゴシック" pitchFamily="-28" charset="-128"/>
-                <a:cs typeface="ＭＳ Ｐゴシック" pitchFamily="-28" charset="-128"/>
-              </a:defRPr>
-            </a:lvl5pPr>
-            <a:lvl6pPr marL="457200" algn="ctr" rtl="0" fontAlgn="base">
-              <a:spcBef>
-                <a:spcPct val="0"/>
-              </a:spcBef>
-              <a:spcAft>
-                <a:spcPct val="0"/>
-              </a:spcAft>
-              <a:defRPr sz="4400">
-                <a:solidFill>
-                  <a:schemeClr val="tx1"/>
-                </a:solidFill>
-                <a:latin typeface="Segoe UI" pitchFamily="34" charset="0"/>
-                <a:ea typeface="ＭＳ Ｐゴシック" pitchFamily="-28" charset="-128"/>
-                <a:cs typeface="ＭＳ Ｐゴシック" pitchFamily="-28" charset="-128"/>
-              </a:defRPr>
-            </a:lvl6pPr>
-            <a:lvl7pPr marL="914400" algn="ctr" rtl="0" fontAlgn="base">
-              <a:spcBef>
-                <a:spcPct val="0"/>
-              </a:spcBef>
-              <a:spcAft>
-                <a:spcPct val="0"/>
-              </a:spcAft>
-              <a:defRPr sz="4400">
-                <a:solidFill>
-                  <a:schemeClr val="tx1"/>
-                </a:solidFill>
-                <a:latin typeface="Segoe UI" pitchFamily="34" charset="0"/>
-                <a:ea typeface="ＭＳ Ｐゴシック" pitchFamily="-28" charset="-128"/>
-                <a:cs typeface="ＭＳ Ｐゴシック" pitchFamily="-28" charset="-128"/>
-              </a:defRPr>
-            </a:lvl7pPr>
-            <a:lvl8pPr marL="1371600" algn="ctr" rtl="0" fontAlgn="base">
-              <a:spcBef>
-                <a:spcPct val="0"/>
-              </a:spcBef>
-              <a:spcAft>
-                <a:spcPct val="0"/>
-              </a:spcAft>
-              <a:defRPr sz="4400">
-                <a:solidFill>
-                  <a:schemeClr val="tx1"/>
-                </a:solidFill>
-                <a:latin typeface="Segoe UI" pitchFamily="34" charset="0"/>
-                <a:ea typeface="ＭＳ Ｐゴシック" pitchFamily="-28" charset="-128"/>
-                <a:cs typeface="ＭＳ Ｐゴシック" pitchFamily="-28" charset="-128"/>
-              </a:defRPr>
-            </a:lvl8pPr>
-            <a:lvl9pPr marL="1828800" algn="ctr" rtl="0" fontAlgn="base">
-              <a:spcBef>
-                <a:spcPct val="0"/>
-              </a:spcBef>
-              <a:spcAft>
-                <a:spcPct val="0"/>
-              </a:spcAft>
-              <a:defRPr sz="4400">
-                <a:solidFill>
-                  <a:schemeClr val="tx1"/>
-                </a:solidFill>
-                <a:latin typeface="Segoe UI" pitchFamily="34" charset="0"/>
-                <a:ea typeface="ＭＳ Ｐゴシック" pitchFamily="-28" charset="-128"/>
-                <a:cs typeface="ＭＳ Ｐゴシック" pitchFamily="-28" charset="-128"/>
+              <a:defRPr sz="2400">
+                <a:solidFill>
+                  <a:schemeClr val="tx1"/>
+                </a:solidFill>
+                <a:latin typeface="Arial" charset="0"/>
+                <a:ea typeface="ＭＳ Ｐゴシック" charset="0"/>
               </a:defRPr>
             </a:lvl9pPr>
           </a:lstStyle>
           <a:p>
-            <a:pPr eaLnBrk="1" hangingPunct="1"/>
-            <a:r>
-              <a:rPr lang="en-US" sz="3600" b="0" dirty="0" smtClean="0">
-                <a:solidFill>
-                  <a:srgbClr val="CA0000"/>
-                </a:solidFill>
-                <a:latin typeface="Calibri" charset="0"/>
-                <a:ea typeface="ＭＳ Ｐゴシック" charset="0"/>
-                <a:cs typeface="ＭＳ Ｐゴシック" charset="0"/>
-              </a:rPr>
-              <a:t>Cold Spring Harbor Laboratory</a:t>
-            </a:r>
-          </a:p>
-          <a:p>
-            <a:pPr eaLnBrk="1" hangingPunct="1"/>
-            <a:r>
-              <a:rPr lang="en-US" sz="2800" b="0" dirty="0">
-                <a:solidFill>
-                  <a:srgbClr val="000000"/>
-                </a:solidFill>
-                <a:latin typeface="Calibri" charset="0"/>
-                <a:ea typeface="ＭＳ Ｐゴシック" charset="0"/>
-                <a:cs typeface="ＭＳ Ｐゴシック" charset="0"/>
-              </a:rPr>
-              <a:t>&amp;</a:t>
-            </a:r>
-            <a:endParaRPr lang="en-US" sz="2800" b="0" dirty="0" smtClean="0">
-              <a:solidFill>
-                <a:srgbClr val="000000"/>
-              </a:solidFill>
-              <a:latin typeface="Calibri" charset="0"/>
-              <a:ea typeface="ＭＳ Ｐゴシック" charset="0"/>
-              <a:cs typeface="ＭＳ Ｐゴシック" charset="0"/>
-            </a:endParaRPr>
-          </a:p>
-          <a:p>
-            <a:pPr eaLnBrk="1" hangingPunct="1"/>
-            <a:r>
-              <a:rPr lang="en-US" sz="3600" b="0" dirty="0" smtClean="0">
-                <a:solidFill>
-                  <a:srgbClr val="CA0000"/>
-                </a:solidFill>
-                <a:latin typeface="Calibri" charset="0"/>
-                <a:ea typeface="ＭＳ Ｐゴシック" charset="0"/>
-                <a:cs typeface="ＭＳ Ｐゴシック" charset="0"/>
-              </a:rPr>
-              <a:t> New York Genome Center</a:t>
-            </a:r>
-            <a:endParaRPr lang="en-US" sz="3600" b="0" dirty="0">
-              <a:solidFill>
-                <a:srgbClr val="CA0000"/>
-              </a:solidFill>
-              <a:latin typeface="Calibri" charset="0"/>
-              <a:ea typeface="ＭＳ Ｐゴシック" charset="0"/>
-              <a:cs typeface="ＭＳ Ｐゴシック" charset="0"/>
-            </a:endParaRPr>
+            <a:pPr algn="r"/>
+            <a:fld id="{06D23BA9-5070-0648-A3DA-E6039966856F}" type="slidenum">
+              <a:rPr lang="en-US" sz="1200"/>
+              <a:pPr algn="r"/>
+              <a:t>2</a:t>
+            </a:fld>
+            <a:endParaRPr lang="en-US" sz="1200"/>
           </a:p>
         </p:txBody>
       </p:sp>
       <p:sp>
         <p:nvSpPr>
-          <p:cNvPr id="7" name="Rectangle 3"/>
+          <p:cNvPr id="10242" name="Date Placeholder 2"/>
           <p:cNvSpPr txBox="1">
-            <a:spLocks noChangeArrowheads="1"/>
+            <a:spLocks noGrp="1"/>
           </p:cNvSpPr>
           <p:nvPr/>
         </p:nvSpPr>
         <p:spPr bwMode="auto">
           <a:xfrm>
-            <a:off x="1141802" y="2780928"/>
-            <a:ext cx="6778625" cy="648072"/>
+            <a:off x="762000" y="6248400"/>
+            <a:ext cx="2057400" cy="457200"/>
           </a:xfrm>
           <a:prstGeom prst="rect">
             <a:avLst/>
@@ -7186,596 +7013,355 @@
                 <a:tailEnd/>
               </a14:hiddenLine>
             </a:ext>
-            <a:ext uri="{FAA26D3D-D897-4be2-8F04-BA451C77F1D7}">
-              <ma14:placeholderFlag xmlns:ma14="http://schemas.microsoft.com/office/mac/drawingml/2011/main" val="1"/>
+          </a:extLst>
+        </p:spPr>
+        <p:txBody>
+          <a:bodyPr/>
+          <a:lstStyle>
+            <a:lvl1pPr eaLnBrk="0" hangingPunct="0">
+              <a:defRPr sz="2400">
+                <a:solidFill>
+                  <a:schemeClr val="tx1"/>
+                </a:solidFill>
+                <a:latin typeface="Arial" charset="0"/>
+                <a:ea typeface="ＭＳ Ｐゴシック" charset="0"/>
+                <a:cs typeface="ＭＳ Ｐゴシック" charset="0"/>
+              </a:defRPr>
+            </a:lvl1pPr>
+            <a:lvl2pPr marL="742950" indent="-285750" eaLnBrk="0" hangingPunct="0">
+              <a:defRPr sz="2400">
+                <a:solidFill>
+                  <a:schemeClr val="tx1"/>
+                </a:solidFill>
+                <a:latin typeface="Arial" charset="0"/>
+                <a:ea typeface="ＭＳ Ｐゴシック" charset="0"/>
+              </a:defRPr>
+            </a:lvl2pPr>
+            <a:lvl3pPr marL="1143000" indent="-228600" eaLnBrk="0" hangingPunct="0">
+              <a:defRPr sz="2400">
+                <a:solidFill>
+                  <a:schemeClr val="tx1"/>
+                </a:solidFill>
+                <a:latin typeface="Arial" charset="0"/>
+                <a:ea typeface="ＭＳ Ｐゴシック" charset="0"/>
+              </a:defRPr>
+            </a:lvl3pPr>
+            <a:lvl4pPr marL="1600200" indent="-228600" eaLnBrk="0" hangingPunct="0">
+              <a:defRPr sz="2400">
+                <a:solidFill>
+                  <a:schemeClr val="tx1"/>
+                </a:solidFill>
+                <a:latin typeface="Arial" charset="0"/>
+                <a:ea typeface="ＭＳ Ｐゴシック" charset="0"/>
+              </a:defRPr>
+            </a:lvl4pPr>
+            <a:lvl5pPr marL="2057400" indent="-228600" eaLnBrk="0" hangingPunct="0">
+              <a:defRPr sz="2400">
+                <a:solidFill>
+                  <a:schemeClr val="tx1"/>
+                </a:solidFill>
+                <a:latin typeface="Arial" charset="0"/>
+                <a:ea typeface="ＭＳ Ｐゴシック" charset="0"/>
+              </a:defRPr>
+            </a:lvl5pPr>
+            <a:lvl6pPr marL="2514600" indent="-228600" eaLnBrk="0" fontAlgn="base" hangingPunct="0">
+              <a:spcBef>
+                <a:spcPct val="0"/>
+              </a:spcBef>
+              <a:spcAft>
+                <a:spcPct val="0"/>
+              </a:spcAft>
+              <a:defRPr sz="2400">
+                <a:solidFill>
+                  <a:schemeClr val="tx1"/>
+                </a:solidFill>
+                <a:latin typeface="Arial" charset="0"/>
+                <a:ea typeface="ＭＳ Ｐゴシック" charset="0"/>
+              </a:defRPr>
+            </a:lvl6pPr>
+            <a:lvl7pPr marL="2971800" indent="-228600" eaLnBrk="0" fontAlgn="base" hangingPunct="0">
+              <a:spcBef>
+                <a:spcPct val="0"/>
+              </a:spcBef>
+              <a:spcAft>
+                <a:spcPct val="0"/>
+              </a:spcAft>
+              <a:defRPr sz="2400">
+                <a:solidFill>
+                  <a:schemeClr val="tx1"/>
+                </a:solidFill>
+                <a:latin typeface="Arial" charset="0"/>
+                <a:ea typeface="ＭＳ Ｐゴシック" charset="0"/>
+              </a:defRPr>
+            </a:lvl7pPr>
+            <a:lvl8pPr marL="3429000" indent="-228600" eaLnBrk="0" fontAlgn="base" hangingPunct="0">
+              <a:spcBef>
+                <a:spcPct val="0"/>
+              </a:spcBef>
+              <a:spcAft>
+                <a:spcPct val="0"/>
+              </a:spcAft>
+              <a:defRPr sz="2400">
+                <a:solidFill>
+                  <a:schemeClr val="tx1"/>
+                </a:solidFill>
+                <a:latin typeface="Arial" charset="0"/>
+                <a:ea typeface="ＭＳ Ｐゴシック" charset="0"/>
+              </a:defRPr>
+            </a:lvl8pPr>
+            <a:lvl9pPr marL="3886200" indent="-228600" eaLnBrk="0" fontAlgn="base" hangingPunct="0">
+              <a:spcBef>
+                <a:spcPct val="0"/>
+              </a:spcBef>
+              <a:spcAft>
+                <a:spcPct val="0"/>
+              </a:spcAft>
+              <a:defRPr sz="2400">
+                <a:solidFill>
+                  <a:schemeClr val="tx1"/>
+                </a:solidFill>
+                <a:latin typeface="Arial" charset="0"/>
+                <a:ea typeface="ＭＳ Ｐゴシック" charset="0"/>
+              </a:defRPr>
+            </a:lvl9pPr>
+          </a:lstStyle>
+          <a:p>
+            <a:r>
+              <a:rPr lang="en-US" sz="1200"/>
+              <a:t>Module #: Title of Module</a:t>
+            </a:r>
+          </a:p>
+        </p:txBody>
+      </p:sp>
+      <p:sp>
+        <p:nvSpPr>
+          <p:cNvPr id="10243" name="Rectangle 5"/>
+          <p:cNvSpPr>
+            <a:spLocks noChangeArrowheads="1"/>
+          </p:cNvSpPr>
+          <p:nvPr/>
+        </p:nvSpPr>
+        <p:spPr bwMode="auto">
+          <a:xfrm>
+            <a:off x="0" y="0"/>
+            <a:ext cx="9144000" cy="6858000"/>
+          </a:xfrm>
+          <a:prstGeom prst="rect">
+            <a:avLst/>
+          </a:prstGeom>
+          <a:solidFill>
+            <a:schemeClr val="tx1"/>
+          </a:solidFill>
+          <a:ln w="9525">
+            <a:solidFill>
+              <a:schemeClr val="tx1"/>
+            </a:solidFill>
+            <a:round/>
+            <a:headEnd/>
+            <a:tailEnd/>
+          </a:ln>
+        </p:spPr>
+        <p:txBody>
+          <a:bodyPr/>
+          <a:lstStyle/>
+          <a:p>
+            <a:pPr eaLnBrk="0" hangingPunct="0"/>
+            <a:endParaRPr lang="en-US"/>
+          </a:p>
+        </p:txBody>
+      </p:sp>
+      <p:pic>
+        <p:nvPicPr>
+          <p:cNvPr id="10244" name="Content Placeholder 9" descr="Picture 1.png"/>
+          <p:cNvPicPr>
+            <a:picLocks noGrp="1" noChangeAspect="1"/>
+          </p:cNvPicPr>
+          <p:nvPr>
+            <p:ph idx="4294967295"/>
+          </p:nvPr>
+        </p:nvPicPr>
+        <p:blipFill>
+          <a:blip r:embed="rId2">
+            <a:extLst>
+              <a:ext uri="{28A0092B-C50C-407E-A947-70E740481C1C}">
+                <a14:useLocalDpi xmlns:a14="http://schemas.microsoft.com/office/drawing/2010/main" val="0"/>
+              </a:ext>
+            </a:extLst>
+          </a:blip>
+          <a:srcRect/>
+          <a:stretch>
+            <a:fillRect/>
+          </a:stretch>
+        </p:blipFill>
+        <p:spPr>
+          <a:xfrm>
+            <a:off x="914400" y="73025"/>
+            <a:ext cx="6858000" cy="6734175"/>
+          </a:xfrm>
+        </p:spPr>
+      </p:pic>
+      <p:sp>
+        <p:nvSpPr>
+          <p:cNvPr id="10245" name="Slide Number Placeholder 3"/>
+          <p:cNvSpPr txBox="1">
+            <a:spLocks noGrp="1"/>
+          </p:cNvSpPr>
+          <p:nvPr/>
+        </p:nvSpPr>
+        <p:spPr bwMode="auto">
+          <a:xfrm>
+            <a:off x="6553200" y="6248400"/>
+            <a:ext cx="1905000" cy="457200"/>
+          </a:xfrm>
+          <a:prstGeom prst="rect">
+            <a:avLst/>
+          </a:prstGeom>
+          <a:noFill/>
+          <a:ln>
+            <a:noFill/>
+          </a:ln>
+          <a:extLst>
+            <a:ext uri="{909E8E84-426E-40dd-AFC4-6F175D3DCCD1}">
+              <a14:hiddenFill xmlns:a14="http://schemas.microsoft.com/office/drawing/2010/main">
+                <a:solidFill>
+                  <a:srgbClr val="FFFFFF"/>
+                </a:solidFill>
+              </a14:hiddenFill>
+            </a:ext>
+            <a:ext uri="{91240B29-F687-4f45-9708-019B960494DF}">
+              <a14:hiddenLine xmlns:a14="http://schemas.microsoft.com/office/drawing/2010/main" w="9525">
+                <a:solidFill>
+                  <a:srgbClr val="000000"/>
+                </a:solidFill>
+                <a:miter lim="800000"/>
+                <a:headEnd/>
+                <a:tailEnd/>
+              </a14:hiddenLine>
             </a:ext>
           </a:extLst>
         </p:spPr>
         <p:txBody>
-          <a:bodyPr vert="horz" wrap="square" lIns="91440" tIns="45720" rIns="91440" bIns="45720" numCol="1" anchor="t" anchorCtr="0" compatLnSpc="1">
-            <a:prstTxWarp prst="textNoShape">
-              <a:avLst/>
-            </a:prstTxWarp>
-          </a:bodyPr>
+          <a:bodyPr/>
           <a:lstStyle>
-            <a:lvl1pPr marL="342900" indent="-342900" algn="l" rtl="0" eaLnBrk="0" fontAlgn="base" hangingPunct="0">
+            <a:lvl1pPr eaLnBrk="0" hangingPunct="0">
+              <a:defRPr sz="2400">
+                <a:solidFill>
+                  <a:schemeClr val="tx1"/>
+                </a:solidFill>
+                <a:latin typeface="Arial" charset="0"/>
+                <a:ea typeface="ＭＳ Ｐゴシック" charset="0"/>
+                <a:cs typeface="ＭＳ Ｐゴシック" charset="0"/>
+              </a:defRPr>
+            </a:lvl1pPr>
+            <a:lvl2pPr marL="742950" indent="-285750" eaLnBrk="0" hangingPunct="0">
+              <a:defRPr sz="2400">
+                <a:solidFill>
+                  <a:schemeClr val="tx1"/>
+                </a:solidFill>
+                <a:latin typeface="Arial" charset="0"/>
+                <a:ea typeface="ＭＳ Ｐゴシック" charset="0"/>
+              </a:defRPr>
+            </a:lvl2pPr>
+            <a:lvl3pPr marL="1143000" indent="-228600" eaLnBrk="0" hangingPunct="0">
+              <a:defRPr sz="2400">
+                <a:solidFill>
+                  <a:schemeClr val="tx1"/>
+                </a:solidFill>
+                <a:latin typeface="Arial" charset="0"/>
+                <a:ea typeface="ＭＳ Ｐゴシック" charset="0"/>
+              </a:defRPr>
+            </a:lvl3pPr>
+            <a:lvl4pPr marL="1600200" indent="-228600" eaLnBrk="0" hangingPunct="0">
+              <a:defRPr sz="2400">
+                <a:solidFill>
+                  <a:schemeClr val="tx1"/>
+                </a:solidFill>
+                <a:latin typeface="Arial" charset="0"/>
+                <a:ea typeface="ＭＳ Ｐゴシック" charset="0"/>
+              </a:defRPr>
+            </a:lvl4pPr>
+            <a:lvl5pPr marL="2057400" indent="-228600" eaLnBrk="0" hangingPunct="0">
+              <a:defRPr sz="2400">
+                <a:solidFill>
+                  <a:schemeClr val="tx1"/>
+                </a:solidFill>
+                <a:latin typeface="Arial" charset="0"/>
+                <a:ea typeface="ＭＳ Ｐゴシック" charset="0"/>
+              </a:defRPr>
+            </a:lvl5pPr>
+            <a:lvl6pPr marL="2514600" indent="-228600" eaLnBrk="0" fontAlgn="base" hangingPunct="0">
               <a:spcBef>
-                <a:spcPct val="20000"/>
+                <a:spcPct val="0"/>
               </a:spcBef>
               <a:spcAft>
                 <a:spcPct val="0"/>
               </a:spcAft>
-              <a:buFont typeface="Arial" charset="0"/>
-              <a:buChar char="•"/>
-              <a:defRPr sz="2800" kern="1200">
-                <a:solidFill>
-                  <a:schemeClr val="tx1"/>
-                </a:solidFill>
-                <a:latin typeface="Calibri"/>
-                <a:ea typeface="ＭＳ Ｐゴシック" pitchFamily="-28" charset="-128"/>
-                <a:cs typeface="Calibri"/>
-              </a:defRPr>
-            </a:lvl1pPr>
-            <a:lvl2pPr marL="742950" indent="-285750" algn="l" rtl="0" eaLnBrk="0" fontAlgn="base" hangingPunct="0">
+              <a:defRPr sz="2400">
+                <a:solidFill>
+                  <a:schemeClr val="tx1"/>
+                </a:solidFill>
+                <a:latin typeface="Arial" charset="0"/>
+                <a:ea typeface="ＭＳ Ｐゴシック" charset="0"/>
+              </a:defRPr>
+            </a:lvl6pPr>
+            <a:lvl7pPr marL="2971800" indent="-228600" eaLnBrk="0" fontAlgn="base" hangingPunct="0">
               <a:spcBef>
-                <a:spcPct val="20000"/>
+                <a:spcPct val="0"/>
               </a:spcBef>
               <a:spcAft>
                 <a:spcPct val="0"/>
               </a:spcAft>
-              <a:buFont typeface="Arial" charset="0"/>
-              <a:buChar char="–"/>
-              <a:defRPr sz="2400" kern="1200">
-                <a:solidFill>
-                  <a:schemeClr val="tx1"/>
-                </a:solidFill>
-                <a:latin typeface="Calibri"/>
-                <a:ea typeface="ＭＳ Ｐゴシック" pitchFamily="-28" charset="-128"/>
-                <a:cs typeface="Calibri"/>
-              </a:defRPr>
-            </a:lvl2pPr>
-            <a:lvl3pPr marL="1143000" indent="-228600" algn="l" rtl="0" eaLnBrk="0" fontAlgn="base" hangingPunct="0">
+              <a:defRPr sz="2400">
+                <a:solidFill>
+                  <a:schemeClr val="tx1"/>
+                </a:solidFill>
+                <a:latin typeface="Arial" charset="0"/>
+                <a:ea typeface="ＭＳ Ｐゴシック" charset="0"/>
+              </a:defRPr>
+            </a:lvl7pPr>
+            <a:lvl8pPr marL="3429000" indent="-228600" eaLnBrk="0" fontAlgn="base" hangingPunct="0">
               <a:spcBef>
-                <a:spcPct val="20000"/>
+                <a:spcPct val="0"/>
               </a:spcBef>
               <a:spcAft>
                 <a:spcPct val="0"/>
               </a:spcAft>
-              <a:buFont typeface="Arial" charset="0"/>
-              <a:buChar char="•"/>
-              <a:defRPr sz="2000" kern="1200">
-                <a:solidFill>
-                  <a:schemeClr val="tx1"/>
-                </a:solidFill>
-                <a:latin typeface="Calibri"/>
-                <a:ea typeface="ＭＳ Ｐゴシック" pitchFamily="-28" charset="-128"/>
-                <a:cs typeface="Calibri"/>
-              </a:defRPr>
-            </a:lvl3pPr>
-            <a:lvl4pPr marL="1600200" indent="-228600" algn="l" rtl="0" eaLnBrk="0" fontAlgn="base" hangingPunct="0">
+              <a:defRPr sz="2400">
+                <a:solidFill>
+                  <a:schemeClr val="tx1"/>
+                </a:solidFill>
+                <a:latin typeface="Arial" charset="0"/>
+                <a:ea typeface="ＭＳ Ｐゴシック" charset="0"/>
+              </a:defRPr>
+            </a:lvl8pPr>
+            <a:lvl9pPr marL="3886200" indent="-228600" eaLnBrk="0" fontAlgn="base" hangingPunct="0">
               <a:spcBef>
-                <a:spcPct val="20000"/>
+                <a:spcPct val="0"/>
               </a:spcBef>
               <a:spcAft>
                 <a:spcPct val="0"/>
               </a:spcAft>
-              <a:buFont typeface="Arial" charset="0"/>
-              <a:buChar char="–"/>
-              <a:defRPr kern="1200">
-                <a:solidFill>
-                  <a:schemeClr val="tx1"/>
-                </a:solidFill>
-                <a:latin typeface="Calibri"/>
-                <a:ea typeface="ＭＳ Ｐゴシック" pitchFamily="-28" charset="-128"/>
-                <a:cs typeface="Calibri"/>
-              </a:defRPr>
-            </a:lvl4pPr>
-            <a:lvl5pPr marL="2057400" indent="-228600" algn="l" rtl="0" eaLnBrk="0" fontAlgn="base" hangingPunct="0">
-              <a:spcBef>
-                <a:spcPct val="20000"/>
-              </a:spcBef>
-              <a:spcAft>
-                <a:spcPct val="0"/>
-              </a:spcAft>
-              <a:buFont typeface="Arial" charset="0"/>
-              <a:buChar char="»"/>
-              <a:defRPr kern="1200">
-                <a:solidFill>
-                  <a:schemeClr val="tx1"/>
-                </a:solidFill>
-                <a:latin typeface="Calibri"/>
-                <a:ea typeface="ＭＳ Ｐゴシック" pitchFamily="-28" charset="-128"/>
-                <a:cs typeface="Calibri"/>
-              </a:defRPr>
-            </a:lvl5pPr>
-            <a:lvl6pPr marL="2514600" indent="-228600" algn="l" defTabSz="914400" rtl="0" eaLnBrk="1" latinLnBrk="0" hangingPunct="1">
-              <a:spcBef>
-                <a:spcPct val="20000"/>
-              </a:spcBef>
-              <a:buFont typeface="Arial" pitchFamily="34" charset="0"/>
-              <a:buChar char="•"/>
-              <a:defRPr sz="2000" kern="1200">
-                <a:solidFill>
-                  <a:schemeClr val="tx1"/>
-                </a:solidFill>
-                <a:latin typeface="+mn-lt"/>
-                <a:ea typeface="+mn-ea"/>
-                <a:cs typeface="+mn-cs"/>
-              </a:defRPr>
-            </a:lvl6pPr>
-            <a:lvl7pPr marL="2971800" indent="-228600" algn="l" defTabSz="914400" rtl="0" eaLnBrk="1" latinLnBrk="0" hangingPunct="1">
-              <a:spcBef>
-                <a:spcPct val="20000"/>
-              </a:spcBef>
-              <a:buFont typeface="Arial" pitchFamily="34" charset="0"/>
-              <a:buChar char="•"/>
-              <a:defRPr sz="2000" kern="1200">
-                <a:solidFill>
-                  <a:schemeClr val="tx1"/>
-                </a:solidFill>
-                <a:latin typeface="+mn-lt"/>
-                <a:ea typeface="+mn-ea"/>
-                <a:cs typeface="+mn-cs"/>
-              </a:defRPr>
-            </a:lvl7pPr>
-            <a:lvl8pPr marL="3429000" indent="-228600" algn="l" defTabSz="914400" rtl="0" eaLnBrk="1" latinLnBrk="0" hangingPunct="1">
-              <a:spcBef>
-                <a:spcPct val="20000"/>
-              </a:spcBef>
-              <a:buFont typeface="Arial" pitchFamily="34" charset="0"/>
-              <a:buChar char="•"/>
-              <a:defRPr sz="2000" kern="1200">
-                <a:solidFill>
-                  <a:schemeClr val="tx1"/>
-                </a:solidFill>
-                <a:latin typeface="+mn-lt"/>
-                <a:ea typeface="+mn-ea"/>
-                <a:cs typeface="+mn-cs"/>
-              </a:defRPr>
-            </a:lvl8pPr>
-            <a:lvl9pPr marL="3886200" indent="-228600" algn="l" defTabSz="914400" rtl="0" eaLnBrk="1" latinLnBrk="0" hangingPunct="1">
-              <a:spcBef>
-                <a:spcPct val="20000"/>
-              </a:spcBef>
-              <a:buFont typeface="Arial" pitchFamily="34" charset="0"/>
-              <a:buChar char="•"/>
-              <a:defRPr sz="2000" kern="1200">
-                <a:solidFill>
-                  <a:schemeClr val="tx1"/>
-                </a:solidFill>
-                <a:latin typeface="+mn-lt"/>
-                <a:ea typeface="+mn-ea"/>
-                <a:cs typeface="+mn-cs"/>
+              <a:defRPr sz="2400">
+                <a:solidFill>
+                  <a:schemeClr val="tx1"/>
+                </a:solidFill>
+                <a:latin typeface="Arial" charset="0"/>
+                <a:ea typeface="ＭＳ Ｐゴシック" charset="0"/>
               </a:defRPr>
             </a:lvl9pPr>
           </a:lstStyle>
           <a:p>
-            <a:pPr marL="0" indent="0" algn="ctr" eaLnBrk="1" hangingPunct="1">
-              <a:buFont typeface="Arial" charset="0"/>
-              <a:buNone/>
-            </a:pPr>
-            <a:r>
-              <a:rPr lang="en-US" dirty="0" smtClean="0">
-                <a:latin typeface="Calibri" charset="0"/>
-                <a:ea typeface="ＭＳ Ｐゴシック" charset="0"/>
-                <a:cs typeface="ＭＳ Ｐゴシック" charset="0"/>
-              </a:rPr>
-              <a:t>In collaboration with</a:t>
-            </a:r>
-            <a:endParaRPr lang="en-US" dirty="0">
-              <a:latin typeface="Calibri" charset="0"/>
-              <a:ea typeface="ＭＳ Ｐゴシック" charset="0"/>
-              <a:cs typeface="ＭＳ Ｐゴシック" charset="0"/>
-            </a:endParaRPr>
+            <a:pPr algn="r"/>
+            <a:endParaRPr lang="en-US" sz="1200"/>
           </a:p>
         </p:txBody>
       </p:sp>
     </p:spTree>
-    <p:extLst>
-      <p:ext uri="{BB962C8B-B14F-4D97-AF65-F5344CB8AC3E}">
-        <p14:creationId xmlns:p14="http://schemas.microsoft.com/office/powerpoint/2010/main" val="139381770"/>
-      </p:ext>
-    </p:extLst>
   </p:cSld>
   <p:clrMapOvr>
     <a:masterClrMapping/>
   </p:clrMapOvr>
-</p:sld>
-</file>
-
-<file path=ppt/slides/slide20.xml><?xml version="1.0" encoding="utf-8"?>
-<p:sld xmlns:a="http://schemas.openxmlformats.org/drawingml/2006/main" xmlns:r="http://schemas.openxmlformats.org/officeDocument/2006/relationships" xmlns:p="http://schemas.openxmlformats.org/presentationml/2006/main">
-  <p:cSld>
-    <p:spTree>
-      <p:nvGrpSpPr>
-        <p:cNvPr id="1" name=""/>
-        <p:cNvGrpSpPr/>
-        <p:nvPr/>
-      </p:nvGrpSpPr>
-      <p:grpSpPr>
-        <a:xfrm>
-          <a:off x="0" y="0"/>
-          <a:ext cx="0" cy="0"/>
-          <a:chOff x="0" y="0"/>
-          <a:chExt cx="0" cy="0"/>
-        </a:xfrm>
-      </p:grpSpPr>
-      <p:sp>
-        <p:nvSpPr>
-          <p:cNvPr id="16385" name="Title 1"/>
-          <p:cNvSpPr>
-            <a:spLocks noGrp="1"/>
-          </p:cNvSpPr>
-          <p:nvPr>
-            <p:ph type="title"/>
-          </p:nvPr>
-        </p:nvSpPr>
-        <p:spPr>
-          <a:xfrm>
-            <a:off x="152400" y="44624"/>
-            <a:ext cx="8839200" cy="1143000"/>
-          </a:xfrm>
-        </p:spPr>
-        <p:txBody>
-          <a:bodyPr/>
-          <a:lstStyle/>
-          <a:p>
-            <a:r>
-              <a:rPr lang="en-US" sz="3600" dirty="0">
-                <a:latin typeface="Calibri" charset="0"/>
-                <a:ea typeface="ＭＳ Ｐゴシック" charset="0"/>
-              </a:rPr>
-              <a:t>Downstream interpretation of expression </a:t>
-            </a:r>
-            <a:r>
-              <a:rPr lang="en-US" sz="3600" dirty="0" smtClean="0">
-                <a:latin typeface="Calibri" charset="0"/>
-                <a:ea typeface="ＭＳ Ｐゴシック" charset="0"/>
-              </a:rPr>
-              <a:t>analysis</a:t>
-            </a:r>
-            <a:endParaRPr lang="en-US" sz="3600" dirty="0">
-              <a:latin typeface="Calibri" charset="0"/>
-              <a:ea typeface="ＭＳ Ｐゴシック" charset="0"/>
-            </a:endParaRPr>
-          </a:p>
-        </p:txBody>
-      </p:sp>
-      <p:sp>
-        <p:nvSpPr>
-          <p:cNvPr id="2" name="Content Placeholder 1"/>
-          <p:cNvSpPr>
-            <a:spLocks noGrp="1"/>
-          </p:cNvSpPr>
-          <p:nvPr>
-            <p:ph idx="1"/>
-          </p:nvPr>
-        </p:nvSpPr>
-        <p:spPr>
-          <a:xfrm>
-            <a:off x="152400" y="1484784"/>
-            <a:ext cx="8839200" cy="4724400"/>
-          </a:xfrm>
-        </p:spPr>
-        <p:txBody>
-          <a:bodyPr>
-            <a:normAutofit fontScale="62500" lnSpcReduction="20000"/>
-          </a:bodyPr>
-          <a:lstStyle/>
-          <a:p>
-            <a:r>
-              <a:rPr lang="en-US" dirty="0" smtClean="0">
-                <a:latin typeface="Calibri" charset="0"/>
-                <a:ea typeface="ＭＳ Ｐゴシック" charset="0"/>
-              </a:rPr>
-              <a:t>Topic for an entire course</a:t>
-            </a:r>
-          </a:p>
-          <a:p>
-            <a:r>
-              <a:rPr lang="en-US" dirty="0" smtClean="0">
-                <a:latin typeface="Calibri" charset="0"/>
-                <a:ea typeface="ＭＳ Ｐゴシック" charset="0"/>
-              </a:rPr>
-              <a:t>Expression estimates and differential expression lists from cufflinks/</a:t>
-            </a:r>
-            <a:r>
-              <a:rPr lang="en-US" dirty="0" err="1" smtClean="0">
-                <a:latin typeface="Calibri" charset="0"/>
-                <a:ea typeface="ＭＳ Ｐゴシック" charset="0"/>
-              </a:rPr>
-              <a:t>cuffdiff</a:t>
-            </a:r>
-            <a:r>
-              <a:rPr lang="en-US" dirty="0" smtClean="0">
-                <a:latin typeface="Calibri" charset="0"/>
-                <a:ea typeface="ＭＳ Ｐゴシック" charset="0"/>
-              </a:rPr>
-              <a:t> (or alternative) can be fed into many analysis pipelines</a:t>
-            </a:r>
-          </a:p>
-          <a:p>
-            <a:r>
-              <a:rPr lang="en-US" dirty="0" smtClean="0">
-                <a:latin typeface="Calibri" charset="0"/>
-                <a:ea typeface="ＭＳ Ｐゴシック" charset="0"/>
-              </a:rPr>
-              <a:t>See supplemental R tutorial for how to format cufflinks data and start manipulating in R</a:t>
-            </a:r>
-            <a:endParaRPr lang="en-US" dirty="0">
-              <a:latin typeface="Calibri" charset="0"/>
-              <a:ea typeface="ＭＳ Ｐゴシック" charset="0"/>
-            </a:endParaRPr>
-          </a:p>
-          <a:p>
-            <a:r>
-              <a:rPr lang="en-US" dirty="0" smtClean="0">
-                <a:latin typeface="Calibri" charset="0"/>
-                <a:ea typeface="ＭＳ Ｐゴシック" charset="0"/>
-              </a:rPr>
-              <a:t>Clustering/</a:t>
-            </a:r>
-            <a:r>
-              <a:rPr lang="en-US" dirty="0" err="1" smtClean="0">
-                <a:latin typeface="Calibri" charset="0"/>
-                <a:ea typeface="ＭＳ Ｐゴシック" charset="0"/>
-              </a:rPr>
-              <a:t>Heatmaps</a:t>
-            </a:r>
-            <a:endParaRPr lang="en-US" dirty="0" smtClean="0">
-              <a:latin typeface="Calibri" charset="0"/>
-              <a:ea typeface="ＭＳ Ｐゴシック" charset="0"/>
-            </a:endParaRPr>
-          </a:p>
-          <a:p>
-            <a:pPr lvl="1"/>
-            <a:r>
-              <a:rPr lang="en-US" dirty="0" smtClean="0">
-                <a:latin typeface="Calibri" charset="0"/>
-                <a:ea typeface="ＭＳ Ｐゴシック" charset="0"/>
-              </a:rPr>
-              <a:t>Provided by </a:t>
-            </a:r>
-            <a:r>
-              <a:rPr lang="en-US" dirty="0" err="1" smtClean="0">
-                <a:latin typeface="Calibri" charset="0"/>
-                <a:ea typeface="ＭＳ Ｐゴシック" charset="0"/>
-              </a:rPr>
-              <a:t>cummeRbund</a:t>
-            </a:r>
-            <a:endParaRPr lang="en-US" dirty="0">
-              <a:latin typeface="Calibri" charset="0"/>
-              <a:ea typeface="ＭＳ Ｐゴシック" charset="0"/>
-            </a:endParaRPr>
-          </a:p>
-          <a:p>
-            <a:pPr lvl="1"/>
-            <a:r>
-              <a:rPr lang="en-US" dirty="0" smtClean="0">
-                <a:latin typeface="Calibri" charset="0"/>
-                <a:ea typeface="ＭＳ Ｐゴシック" charset="0"/>
-              </a:rPr>
-              <a:t>For more customized analysis various R packages exist: </a:t>
-            </a:r>
-          </a:p>
-          <a:p>
-            <a:pPr lvl="2"/>
-            <a:r>
-              <a:rPr lang="en-US" dirty="0" err="1">
-                <a:latin typeface="Calibri" charset="0"/>
-                <a:ea typeface="ＭＳ Ｐゴシック" charset="0"/>
-              </a:rPr>
-              <a:t>h</a:t>
-            </a:r>
-            <a:r>
-              <a:rPr lang="en-US" dirty="0" err="1" smtClean="0">
-                <a:latin typeface="Calibri" charset="0"/>
-                <a:ea typeface="ＭＳ Ｐゴシック" charset="0"/>
-              </a:rPr>
-              <a:t>clust</a:t>
-            </a:r>
-            <a:r>
-              <a:rPr lang="en-US" dirty="0" smtClean="0">
-                <a:latin typeface="Calibri" charset="0"/>
-                <a:ea typeface="ＭＳ Ｐゴシック" charset="0"/>
-              </a:rPr>
-              <a:t>, heatmap.2,</a:t>
-            </a:r>
-            <a:r>
-              <a:rPr lang="en-US" dirty="0">
-                <a:latin typeface="Calibri" charset="0"/>
-                <a:ea typeface="ＭＳ Ｐゴシック" charset="0"/>
-              </a:rPr>
-              <a:t> </a:t>
-            </a:r>
-            <a:r>
-              <a:rPr lang="en-US" dirty="0" err="1" smtClean="0">
-                <a:latin typeface="Calibri" charset="0"/>
-                <a:ea typeface="ＭＳ Ｐゴシック" charset="0"/>
-              </a:rPr>
-              <a:t>plotrix</a:t>
-            </a:r>
-            <a:r>
-              <a:rPr lang="en-US" dirty="0" smtClean="0">
-                <a:latin typeface="Calibri" charset="0"/>
-                <a:ea typeface="ＭＳ Ｐゴシック" charset="0"/>
-              </a:rPr>
-              <a:t>, ggplot2, etc.</a:t>
-            </a:r>
-          </a:p>
-          <a:p>
-            <a:r>
-              <a:rPr lang="en-US" dirty="0" smtClean="0">
-                <a:latin typeface="Calibri" charset="0"/>
-                <a:ea typeface="ＭＳ Ｐゴシック" charset="0"/>
-              </a:rPr>
-              <a:t>Classification</a:t>
-            </a:r>
-          </a:p>
-          <a:p>
-            <a:pPr lvl="1"/>
-            <a:r>
-              <a:rPr lang="en-US" dirty="0" smtClean="0">
-                <a:latin typeface="Calibri" charset="0"/>
-                <a:ea typeface="ＭＳ Ｐゴシック" charset="0"/>
-              </a:rPr>
-              <a:t>For RNA-seq data we still rarely have sufficient sample size and clinical details but this is changing</a:t>
-            </a:r>
-          </a:p>
-          <a:p>
-            <a:pPr lvl="2"/>
-            <a:r>
-              <a:rPr lang="en-US" dirty="0" err="1" smtClean="0">
-                <a:latin typeface="Calibri" charset="0"/>
-                <a:ea typeface="ＭＳ Ｐゴシック" charset="0"/>
-              </a:rPr>
-              <a:t>Weka</a:t>
-            </a:r>
-            <a:r>
-              <a:rPr lang="en-US" dirty="0" smtClean="0">
-                <a:latin typeface="Calibri" charset="0"/>
-                <a:ea typeface="ＭＳ Ｐゴシック" charset="0"/>
-              </a:rPr>
-              <a:t> is a good learning tool</a:t>
-            </a:r>
-          </a:p>
-          <a:p>
-            <a:pPr lvl="2"/>
-            <a:r>
-              <a:rPr lang="en-US" dirty="0" err="1" smtClean="0">
-                <a:latin typeface="Calibri" charset="0"/>
-                <a:ea typeface="ＭＳ Ｐゴシック" charset="0"/>
-              </a:rPr>
-              <a:t>RandomForests</a:t>
-            </a:r>
-            <a:r>
-              <a:rPr lang="en-US" dirty="0" smtClean="0">
-                <a:latin typeface="Calibri" charset="0"/>
-                <a:ea typeface="ＭＳ Ｐゴシック" charset="0"/>
-              </a:rPr>
-              <a:t> R package (</a:t>
-            </a:r>
-            <a:r>
-              <a:rPr lang="en-US" dirty="0" err="1" smtClean="0">
-                <a:latin typeface="Calibri" charset="0"/>
-                <a:ea typeface="ＭＳ Ｐゴシック" charset="0"/>
-              </a:rPr>
-              <a:t>biostar</a:t>
-            </a:r>
-            <a:r>
-              <a:rPr lang="en-US" dirty="0" smtClean="0">
-                <a:latin typeface="Calibri" charset="0"/>
-                <a:ea typeface="ＭＳ Ｐゴシック" charset="0"/>
-              </a:rPr>
-              <a:t> tutorial being developed)</a:t>
-            </a:r>
-          </a:p>
-          <a:p>
-            <a:r>
-              <a:rPr lang="en-US" dirty="0" smtClean="0">
-                <a:latin typeface="Calibri" charset="0"/>
-                <a:ea typeface="ＭＳ Ｐゴシック" charset="0"/>
-              </a:rPr>
-              <a:t>Pathway analysis</a:t>
-            </a:r>
-          </a:p>
-          <a:p>
-            <a:pPr lvl="1"/>
-            <a:r>
-              <a:rPr lang="en-US" dirty="0" smtClean="0">
-                <a:latin typeface="Calibri" charset="0"/>
-                <a:ea typeface="ＭＳ Ｐゴシック" charset="0"/>
-              </a:rPr>
-              <a:t>David</a:t>
-            </a:r>
-          </a:p>
-          <a:p>
-            <a:pPr lvl="1"/>
-            <a:r>
-              <a:rPr lang="en-US" dirty="0" smtClean="0">
-                <a:latin typeface="Calibri" charset="0"/>
-                <a:ea typeface="ＭＳ Ｐゴシック" charset="0"/>
-              </a:rPr>
-              <a:t>IPA</a:t>
-            </a:r>
-          </a:p>
-          <a:p>
-            <a:pPr lvl="1"/>
-            <a:r>
-              <a:rPr lang="en-US" dirty="0" err="1" smtClean="0">
-                <a:latin typeface="Calibri" charset="0"/>
-                <a:ea typeface="ＭＳ Ｐゴシック" charset="0"/>
-              </a:rPr>
-              <a:t>Cytoscape</a:t>
-            </a:r>
-            <a:endParaRPr lang="en-US" dirty="0" smtClean="0">
-              <a:latin typeface="Calibri" charset="0"/>
-              <a:ea typeface="ＭＳ Ｐゴシック" charset="0"/>
-            </a:endParaRPr>
-          </a:p>
-          <a:p>
-            <a:pPr lvl="1"/>
-            <a:r>
-              <a:rPr lang="en-US" dirty="0" smtClean="0">
-                <a:latin typeface="Calibri" charset="0"/>
-                <a:ea typeface="ＭＳ Ｐゴシック" charset="0"/>
-              </a:rPr>
-              <a:t>Many R/</a:t>
-            </a:r>
-            <a:r>
-              <a:rPr lang="en-US" dirty="0" err="1" smtClean="0">
-                <a:latin typeface="Calibri" charset="0"/>
-                <a:ea typeface="ＭＳ Ｐゴシック" charset="0"/>
-              </a:rPr>
-              <a:t>BioConductor</a:t>
-            </a:r>
-            <a:r>
-              <a:rPr lang="en-US" dirty="0">
-                <a:latin typeface="Calibri" charset="0"/>
-                <a:ea typeface="ＭＳ Ｐゴシック" charset="0"/>
-              </a:rPr>
-              <a:t> packages: </a:t>
-            </a:r>
-            <a:r>
-              <a:rPr lang="en-US" dirty="0">
-                <a:latin typeface="Calibri" charset="0"/>
-                <a:ea typeface="ＭＳ Ｐゴシック" charset="0"/>
-                <a:hlinkClick r:id="rId2"/>
-              </a:rPr>
-              <a:t>http://www.bioconductor.org/help/search/index.html?q=</a:t>
-            </a:r>
-            <a:r>
-              <a:rPr lang="en-US" dirty="0" smtClean="0">
-                <a:latin typeface="Calibri" charset="0"/>
-                <a:ea typeface="ＭＳ Ｐゴシック" charset="0"/>
-                <a:hlinkClick r:id="rId2"/>
-              </a:rPr>
-              <a:t>pathway</a:t>
-            </a:r>
-            <a:endParaRPr lang="en-US" dirty="0" smtClean="0">
-              <a:latin typeface="Calibri" charset="0"/>
-              <a:ea typeface="ＭＳ Ｐゴシック" charset="0"/>
-            </a:endParaRPr>
-          </a:p>
-          <a:p>
-            <a:pPr lvl="1"/>
-            <a:endParaRPr lang="en-US" dirty="0" smtClean="0">
-              <a:latin typeface="Calibri" charset="0"/>
-              <a:ea typeface="ＭＳ Ｐゴシック" charset="0"/>
-            </a:endParaRPr>
-          </a:p>
-        </p:txBody>
-      </p:sp>
-    </p:spTree>
-    <p:extLst>
-      <p:ext uri="{BB962C8B-B14F-4D97-AF65-F5344CB8AC3E}">
-        <p14:creationId xmlns:p14="http://schemas.microsoft.com/office/powerpoint/2010/main" val="983620539"/>
-      </p:ext>
-    </p:extLst>
-  </p:cSld>
-  <p:clrMapOvr>
-    <a:masterClrMapping/>
-  </p:clrMapOvr>
+  <p:transition xmlns:p14="http://schemas.microsoft.com/office/powerpoint/2010/main"/>
   <p:timing>
     <p:tnLst>
       <p:par>
@@ -7786,7 +7372,7 @@
 </p:sld>
 </file>
 
-<file path=ppt/slides/slide21.xml><?xml version="1.0" encoding="utf-8"?>
+<file path=ppt/slides/slide20.xml><?xml version="1.0" encoding="utf-8"?>
 <p:sld xmlns:a="http://schemas.openxmlformats.org/drawingml/2006/main" xmlns:r="http://schemas.openxmlformats.org/officeDocument/2006/relationships" xmlns:p="http://schemas.openxmlformats.org/presentationml/2006/main">
   <p:cSld>
     <p:spTree>
@@ -7852,7 +7438,7 @@
                 <a:latin typeface="Calibri" charset="0"/>
                 <a:ea typeface="ＭＳ Ｐゴシック" charset="0"/>
               </a:rPr>
-              <a:t>4)</a:t>
+              <a:t>3)</a:t>
             </a:r>
             <a:endParaRPr lang="en-US" sz="4400" b="1" dirty="0">
               <a:latin typeface="Calibri" charset="0"/>
@@ -7881,7 +7467,7 @@
 </p:sld>
 </file>
 
-<file path=ppt/slides/slide22.xml><?xml version="1.0" encoding="utf-8"?>
+<file path=ppt/slides/slide21.xml><?xml version="1.0" encoding="utf-8"?>
 <p:sld xmlns:a="http://schemas.openxmlformats.org/drawingml/2006/main" xmlns:r="http://schemas.openxmlformats.org/officeDocument/2006/relationships" xmlns:p="http://schemas.openxmlformats.org/presentationml/2006/main">
   <p:cSld>
     <p:spTree>
@@ -8134,7 +7720,7 @@
             </a:r>
             <a:r>
               <a:rPr lang="en-US" sz="1600" b="1" dirty="0" smtClean="0"/>
-              <a:t>4</a:t>
+              <a:t>3</a:t>
             </a:r>
             <a:endParaRPr lang="en-US" sz="1600" b="1" dirty="0"/>
           </a:p>
@@ -10464,7 +10050,7 @@
 </p:sld>
 </file>
 
-<file path=ppt/slides/slide23.xml><?xml version="1.0" encoding="utf-8"?>
+<file path=ppt/slides/slide22.xml><?xml version="1.0" encoding="utf-8"?>
 <p:sld xmlns:a="http://schemas.openxmlformats.org/drawingml/2006/main" xmlns:r="http://schemas.openxmlformats.org/officeDocument/2006/relationships" xmlns:p="http://schemas.openxmlformats.org/presentationml/2006/main">
   <p:cSld>
     <p:spTree>
@@ -10533,7 +10119,7 @@
       </p:sp>
       <p:pic>
         <p:nvPicPr>
-          <p:cNvPr id="3" name="Picture 2" descr="CSHL_Logo.eps"/>
+          <p:cNvPr id="2" name="Picture 1" descr="bioinformatics-ca.eps"/>
           <p:cNvPicPr>
             <a:picLocks noChangeAspect="1"/>
           </p:cNvPicPr>
@@ -10553,70 +10139,7 @@
         </p:blipFill>
         <p:spPr>
           <a:xfrm>
-            <a:off x="1547664" y="4869160"/>
-            <a:ext cx="2594868" cy="994509"/>
-          </a:xfrm>
-          <a:prstGeom prst="rect">
-            <a:avLst/>
-          </a:prstGeom>
-          <a:solidFill>
-            <a:schemeClr val="bg1"/>
-          </a:solidFill>
-        </p:spPr>
-      </p:pic>
-      <p:pic>
-        <p:nvPicPr>
-          <p:cNvPr id="4" name="Picture 3" descr="NYGC_logo.jpeg"/>
-          <p:cNvPicPr>
-            <a:picLocks noChangeAspect="1"/>
-          </p:cNvPicPr>
-          <p:nvPr/>
-        </p:nvPicPr>
-        <p:blipFill>
-          <a:blip r:embed="rId3" cstate="print">
-            <a:extLst>
-              <a:ext uri="{28A0092B-C50C-407E-A947-70E740481C1C}">
-                <a14:useLocalDpi xmlns:a14="http://schemas.microsoft.com/office/drawing/2010/main" val="0"/>
-              </a:ext>
-            </a:extLst>
-          </a:blip>
-          <a:stretch>
-            <a:fillRect/>
-          </a:stretch>
-        </p:blipFill>
-        <p:spPr>
-          <a:xfrm>
-            <a:off x="5436096" y="4437112"/>
-            <a:ext cx="2224796" cy="1483197"/>
-          </a:xfrm>
-          <a:prstGeom prst="rect">
-            <a:avLst/>
-          </a:prstGeom>
-        </p:spPr>
-      </p:pic>
-      <p:pic>
-        <p:nvPicPr>
-          <p:cNvPr id="2" name="Picture 1" descr="bioinformatics-ca.eps"/>
-          <p:cNvPicPr>
-            <a:picLocks noChangeAspect="1"/>
-          </p:cNvPicPr>
-          <p:nvPr/>
-        </p:nvPicPr>
-        <p:blipFill>
-          <a:blip r:embed="rId4">
-            <a:extLst>
-              <a:ext uri="{28A0092B-C50C-407E-A947-70E740481C1C}">
-                <a14:useLocalDpi xmlns:a14="http://schemas.microsoft.com/office/drawing/2010/main" val="0"/>
-              </a:ext>
-            </a:extLst>
-          </a:blip>
-          <a:stretch>
-            <a:fillRect/>
-          </a:stretch>
-        </p:blipFill>
-        <p:spPr>
-          <a:xfrm>
-            <a:off x="3122397" y="3151943"/>
+            <a:off x="3122397" y="3861048"/>
             <a:ext cx="2823006" cy="1213161"/>
           </a:xfrm>
           <a:prstGeom prst="rect">
@@ -10633,581 +10156,6 @@
 </file>
 
 <file path=ppt/slides/slide3.xml><?xml version="1.0" encoding="utf-8"?>
-<p:sld xmlns:a="http://schemas.openxmlformats.org/drawingml/2006/main" xmlns:r="http://schemas.openxmlformats.org/officeDocument/2006/relationships" xmlns:p="http://schemas.openxmlformats.org/presentationml/2006/main">
-  <p:cSld>
-    <p:spTree>
-      <p:nvGrpSpPr>
-        <p:cNvPr id="1" name=""/>
-        <p:cNvGrpSpPr/>
-        <p:nvPr/>
-      </p:nvGrpSpPr>
-      <p:grpSpPr>
-        <a:xfrm>
-          <a:off x="0" y="0"/>
-          <a:ext cx="0" cy="0"/>
-          <a:chOff x="0" y="0"/>
-          <a:chExt cx="0" cy="0"/>
-        </a:xfrm>
-      </p:grpSpPr>
-      <p:sp>
-        <p:nvSpPr>
-          <p:cNvPr id="10241" name="Slide Number Placeholder 1"/>
-          <p:cNvSpPr txBox="1">
-            <a:spLocks noGrp="1"/>
-          </p:cNvSpPr>
-          <p:nvPr/>
-        </p:nvSpPr>
-        <p:spPr bwMode="auto">
-          <a:xfrm>
-            <a:off x="6553200" y="6248400"/>
-            <a:ext cx="1905000" cy="457200"/>
-          </a:xfrm>
-          <a:prstGeom prst="rect">
-            <a:avLst/>
-          </a:prstGeom>
-          <a:noFill/>
-          <a:ln>
-            <a:noFill/>
-          </a:ln>
-          <a:extLst>
-            <a:ext uri="{909E8E84-426E-40dd-AFC4-6F175D3DCCD1}">
-              <a14:hiddenFill xmlns:a14="http://schemas.microsoft.com/office/drawing/2010/main">
-                <a:solidFill>
-                  <a:srgbClr val="FFFFFF"/>
-                </a:solidFill>
-              </a14:hiddenFill>
-            </a:ext>
-            <a:ext uri="{91240B29-F687-4f45-9708-019B960494DF}">
-              <a14:hiddenLine xmlns:a14="http://schemas.microsoft.com/office/drawing/2010/main" w="9525">
-                <a:solidFill>
-                  <a:srgbClr val="000000"/>
-                </a:solidFill>
-                <a:miter lim="800000"/>
-                <a:headEnd/>
-                <a:tailEnd/>
-              </a14:hiddenLine>
-            </a:ext>
-          </a:extLst>
-        </p:spPr>
-        <p:txBody>
-          <a:bodyPr/>
-          <a:lstStyle>
-            <a:lvl1pPr eaLnBrk="0" hangingPunct="0">
-              <a:defRPr sz="2400">
-                <a:solidFill>
-                  <a:schemeClr val="tx1"/>
-                </a:solidFill>
-                <a:latin typeface="Arial" charset="0"/>
-                <a:ea typeface="ＭＳ Ｐゴシック" charset="0"/>
-                <a:cs typeface="ＭＳ Ｐゴシック" charset="0"/>
-              </a:defRPr>
-            </a:lvl1pPr>
-            <a:lvl2pPr marL="742950" indent="-285750" eaLnBrk="0" hangingPunct="0">
-              <a:defRPr sz="2400">
-                <a:solidFill>
-                  <a:schemeClr val="tx1"/>
-                </a:solidFill>
-                <a:latin typeface="Arial" charset="0"/>
-                <a:ea typeface="ＭＳ Ｐゴシック" charset="0"/>
-              </a:defRPr>
-            </a:lvl2pPr>
-            <a:lvl3pPr marL="1143000" indent="-228600" eaLnBrk="0" hangingPunct="0">
-              <a:defRPr sz="2400">
-                <a:solidFill>
-                  <a:schemeClr val="tx1"/>
-                </a:solidFill>
-                <a:latin typeface="Arial" charset="0"/>
-                <a:ea typeface="ＭＳ Ｐゴシック" charset="0"/>
-              </a:defRPr>
-            </a:lvl3pPr>
-            <a:lvl4pPr marL="1600200" indent="-228600" eaLnBrk="0" hangingPunct="0">
-              <a:defRPr sz="2400">
-                <a:solidFill>
-                  <a:schemeClr val="tx1"/>
-                </a:solidFill>
-                <a:latin typeface="Arial" charset="0"/>
-                <a:ea typeface="ＭＳ Ｐゴシック" charset="0"/>
-              </a:defRPr>
-            </a:lvl4pPr>
-            <a:lvl5pPr marL="2057400" indent="-228600" eaLnBrk="0" hangingPunct="0">
-              <a:defRPr sz="2400">
-                <a:solidFill>
-                  <a:schemeClr val="tx1"/>
-                </a:solidFill>
-                <a:latin typeface="Arial" charset="0"/>
-                <a:ea typeface="ＭＳ Ｐゴシック" charset="0"/>
-              </a:defRPr>
-            </a:lvl5pPr>
-            <a:lvl6pPr marL="2514600" indent="-228600" eaLnBrk="0" fontAlgn="base" hangingPunct="0">
-              <a:spcBef>
-                <a:spcPct val="0"/>
-              </a:spcBef>
-              <a:spcAft>
-                <a:spcPct val="0"/>
-              </a:spcAft>
-              <a:defRPr sz="2400">
-                <a:solidFill>
-                  <a:schemeClr val="tx1"/>
-                </a:solidFill>
-                <a:latin typeface="Arial" charset="0"/>
-                <a:ea typeface="ＭＳ Ｐゴシック" charset="0"/>
-              </a:defRPr>
-            </a:lvl6pPr>
-            <a:lvl7pPr marL="2971800" indent="-228600" eaLnBrk="0" fontAlgn="base" hangingPunct="0">
-              <a:spcBef>
-                <a:spcPct val="0"/>
-              </a:spcBef>
-              <a:spcAft>
-                <a:spcPct val="0"/>
-              </a:spcAft>
-              <a:defRPr sz="2400">
-                <a:solidFill>
-                  <a:schemeClr val="tx1"/>
-                </a:solidFill>
-                <a:latin typeface="Arial" charset="0"/>
-                <a:ea typeface="ＭＳ Ｐゴシック" charset="0"/>
-              </a:defRPr>
-            </a:lvl7pPr>
-            <a:lvl8pPr marL="3429000" indent="-228600" eaLnBrk="0" fontAlgn="base" hangingPunct="0">
-              <a:spcBef>
-                <a:spcPct val="0"/>
-              </a:spcBef>
-              <a:spcAft>
-                <a:spcPct val="0"/>
-              </a:spcAft>
-              <a:defRPr sz="2400">
-                <a:solidFill>
-                  <a:schemeClr val="tx1"/>
-                </a:solidFill>
-                <a:latin typeface="Arial" charset="0"/>
-                <a:ea typeface="ＭＳ Ｐゴシック" charset="0"/>
-              </a:defRPr>
-            </a:lvl8pPr>
-            <a:lvl9pPr marL="3886200" indent="-228600" eaLnBrk="0" fontAlgn="base" hangingPunct="0">
-              <a:spcBef>
-                <a:spcPct val="0"/>
-              </a:spcBef>
-              <a:spcAft>
-                <a:spcPct val="0"/>
-              </a:spcAft>
-              <a:defRPr sz="2400">
-                <a:solidFill>
-                  <a:schemeClr val="tx1"/>
-                </a:solidFill>
-                <a:latin typeface="Arial" charset="0"/>
-                <a:ea typeface="ＭＳ Ｐゴシック" charset="0"/>
-              </a:defRPr>
-            </a:lvl9pPr>
-          </a:lstStyle>
-          <a:p>
-            <a:pPr algn="r"/>
-            <a:fld id="{06D23BA9-5070-0648-A3DA-E6039966856F}" type="slidenum">
-              <a:rPr lang="en-US" sz="1200"/>
-              <a:pPr algn="r"/>
-              <a:t>3</a:t>
-            </a:fld>
-            <a:endParaRPr lang="en-US" sz="1200"/>
-          </a:p>
-        </p:txBody>
-      </p:sp>
-      <p:sp>
-        <p:nvSpPr>
-          <p:cNvPr id="10242" name="Date Placeholder 2"/>
-          <p:cNvSpPr txBox="1">
-            <a:spLocks noGrp="1"/>
-          </p:cNvSpPr>
-          <p:nvPr/>
-        </p:nvSpPr>
-        <p:spPr bwMode="auto">
-          <a:xfrm>
-            <a:off x="762000" y="6248400"/>
-            <a:ext cx="2057400" cy="457200"/>
-          </a:xfrm>
-          <a:prstGeom prst="rect">
-            <a:avLst/>
-          </a:prstGeom>
-          <a:noFill/>
-          <a:ln>
-            <a:noFill/>
-          </a:ln>
-          <a:extLst>
-            <a:ext uri="{909E8E84-426E-40dd-AFC4-6F175D3DCCD1}">
-              <a14:hiddenFill xmlns:a14="http://schemas.microsoft.com/office/drawing/2010/main">
-                <a:solidFill>
-                  <a:srgbClr val="FFFFFF"/>
-                </a:solidFill>
-              </a14:hiddenFill>
-            </a:ext>
-            <a:ext uri="{91240B29-F687-4f45-9708-019B960494DF}">
-              <a14:hiddenLine xmlns:a14="http://schemas.microsoft.com/office/drawing/2010/main" w="9525">
-                <a:solidFill>
-                  <a:srgbClr val="000000"/>
-                </a:solidFill>
-                <a:miter lim="800000"/>
-                <a:headEnd/>
-                <a:tailEnd/>
-              </a14:hiddenLine>
-            </a:ext>
-          </a:extLst>
-        </p:spPr>
-        <p:txBody>
-          <a:bodyPr/>
-          <a:lstStyle>
-            <a:lvl1pPr eaLnBrk="0" hangingPunct="0">
-              <a:defRPr sz="2400">
-                <a:solidFill>
-                  <a:schemeClr val="tx1"/>
-                </a:solidFill>
-                <a:latin typeface="Arial" charset="0"/>
-                <a:ea typeface="ＭＳ Ｐゴシック" charset="0"/>
-                <a:cs typeface="ＭＳ Ｐゴシック" charset="0"/>
-              </a:defRPr>
-            </a:lvl1pPr>
-            <a:lvl2pPr marL="742950" indent="-285750" eaLnBrk="0" hangingPunct="0">
-              <a:defRPr sz="2400">
-                <a:solidFill>
-                  <a:schemeClr val="tx1"/>
-                </a:solidFill>
-                <a:latin typeface="Arial" charset="0"/>
-                <a:ea typeface="ＭＳ Ｐゴシック" charset="0"/>
-              </a:defRPr>
-            </a:lvl2pPr>
-            <a:lvl3pPr marL="1143000" indent="-228600" eaLnBrk="0" hangingPunct="0">
-              <a:defRPr sz="2400">
-                <a:solidFill>
-                  <a:schemeClr val="tx1"/>
-                </a:solidFill>
-                <a:latin typeface="Arial" charset="0"/>
-                <a:ea typeface="ＭＳ Ｐゴシック" charset="0"/>
-              </a:defRPr>
-            </a:lvl3pPr>
-            <a:lvl4pPr marL="1600200" indent="-228600" eaLnBrk="0" hangingPunct="0">
-              <a:defRPr sz="2400">
-                <a:solidFill>
-                  <a:schemeClr val="tx1"/>
-                </a:solidFill>
-                <a:latin typeface="Arial" charset="0"/>
-                <a:ea typeface="ＭＳ Ｐゴシック" charset="0"/>
-              </a:defRPr>
-            </a:lvl4pPr>
-            <a:lvl5pPr marL="2057400" indent="-228600" eaLnBrk="0" hangingPunct="0">
-              <a:defRPr sz="2400">
-                <a:solidFill>
-                  <a:schemeClr val="tx1"/>
-                </a:solidFill>
-                <a:latin typeface="Arial" charset="0"/>
-                <a:ea typeface="ＭＳ Ｐゴシック" charset="0"/>
-              </a:defRPr>
-            </a:lvl5pPr>
-            <a:lvl6pPr marL="2514600" indent="-228600" eaLnBrk="0" fontAlgn="base" hangingPunct="0">
-              <a:spcBef>
-                <a:spcPct val="0"/>
-              </a:spcBef>
-              <a:spcAft>
-                <a:spcPct val="0"/>
-              </a:spcAft>
-              <a:defRPr sz="2400">
-                <a:solidFill>
-                  <a:schemeClr val="tx1"/>
-                </a:solidFill>
-                <a:latin typeface="Arial" charset="0"/>
-                <a:ea typeface="ＭＳ Ｐゴシック" charset="0"/>
-              </a:defRPr>
-            </a:lvl6pPr>
-            <a:lvl7pPr marL="2971800" indent="-228600" eaLnBrk="0" fontAlgn="base" hangingPunct="0">
-              <a:spcBef>
-                <a:spcPct val="0"/>
-              </a:spcBef>
-              <a:spcAft>
-                <a:spcPct val="0"/>
-              </a:spcAft>
-              <a:defRPr sz="2400">
-                <a:solidFill>
-                  <a:schemeClr val="tx1"/>
-                </a:solidFill>
-                <a:latin typeface="Arial" charset="0"/>
-                <a:ea typeface="ＭＳ Ｐゴシック" charset="0"/>
-              </a:defRPr>
-            </a:lvl7pPr>
-            <a:lvl8pPr marL="3429000" indent="-228600" eaLnBrk="0" fontAlgn="base" hangingPunct="0">
-              <a:spcBef>
-                <a:spcPct val="0"/>
-              </a:spcBef>
-              <a:spcAft>
-                <a:spcPct val="0"/>
-              </a:spcAft>
-              <a:defRPr sz="2400">
-                <a:solidFill>
-                  <a:schemeClr val="tx1"/>
-                </a:solidFill>
-                <a:latin typeface="Arial" charset="0"/>
-                <a:ea typeface="ＭＳ Ｐゴシック" charset="0"/>
-              </a:defRPr>
-            </a:lvl8pPr>
-            <a:lvl9pPr marL="3886200" indent="-228600" eaLnBrk="0" fontAlgn="base" hangingPunct="0">
-              <a:spcBef>
-                <a:spcPct val="0"/>
-              </a:spcBef>
-              <a:spcAft>
-                <a:spcPct val="0"/>
-              </a:spcAft>
-              <a:defRPr sz="2400">
-                <a:solidFill>
-                  <a:schemeClr val="tx1"/>
-                </a:solidFill>
-                <a:latin typeface="Arial" charset="0"/>
-                <a:ea typeface="ＭＳ Ｐゴシック" charset="0"/>
-              </a:defRPr>
-            </a:lvl9pPr>
-          </a:lstStyle>
-          <a:p>
-            <a:r>
-              <a:rPr lang="en-US" sz="1200"/>
-              <a:t>Module #: Title of Module</a:t>
-            </a:r>
-          </a:p>
-        </p:txBody>
-      </p:sp>
-      <p:sp>
-        <p:nvSpPr>
-          <p:cNvPr id="10243" name="Rectangle 5"/>
-          <p:cNvSpPr>
-            <a:spLocks noChangeArrowheads="1"/>
-          </p:cNvSpPr>
-          <p:nvPr/>
-        </p:nvSpPr>
-        <p:spPr bwMode="auto">
-          <a:xfrm>
-            <a:off x="0" y="0"/>
-            <a:ext cx="9144000" cy="6858000"/>
-          </a:xfrm>
-          <a:prstGeom prst="rect">
-            <a:avLst/>
-          </a:prstGeom>
-          <a:solidFill>
-            <a:schemeClr val="tx1"/>
-          </a:solidFill>
-          <a:ln w="9525">
-            <a:solidFill>
-              <a:schemeClr val="tx1"/>
-            </a:solidFill>
-            <a:round/>
-            <a:headEnd/>
-            <a:tailEnd/>
-          </a:ln>
-        </p:spPr>
-        <p:txBody>
-          <a:bodyPr/>
-          <a:lstStyle/>
-          <a:p>
-            <a:pPr eaLnBrk="0" hangingPunct="0"/>
-            <a:endParaRPr lang="en-US"/>
-          </a:p>
-        </p:txBody>
-      </p:sp>
-      <p:pic>
-        <p:nvPicPr>
-          <p:cNvPr id="10244" name="Content Placeholder 9" descr="Picture 1.png"/>
-          <p:cNvPicPr>
-            <a:picLocks noGrp="1" noChangeAspect="1"/>
-          </p:cNvPicPr>
-          <p:nvPr>
-            <p:ph idx="4294967295"/>
-          </p:nvPr>
-        </p:nvPicPr>
-        <p:blipFill>
-          <a:blip r:embed="rId2">
-            <a:extLst>
-              <a:ext uri="{28A0092B-C50C-407E-A947-70E740481C1C}">
-                <a14:useLocalDpi xmlns:a14="http://schemas.microsoft.com/office/drawing/2010/main" val="0"/>
-              </a:ext>
-            </a:extLst>
-          </a:blip>
-          <a:srcRect/>
-          <a:stretch>
-            <a:fillRect/>
-          </a:stretch>
-        </p:blipFill>
-        <p:spPr>
-          <a:xfrm>
-            <a:off x="914400" y="73025"/>
-            <a:ext cx="6858000" cy="6734175"/>
-          </a:xfrm>
-        </p:spPr>
-      </p:pic>
-      <p:sp>
-        <p:nvSpPr>
-          <p:cNvPr id="10245" name="Slide Number Placeholder 3"/>
-          <p:cNvSpPr txBox="1">
-            <a:spLocks noGrp="1"/>
-          </p:cNvSpPr>
-          <p:nvPr/>
-        </p:nvSpPr>
-        <p:spPr bwMode="auto">
-          <a:xfrm>
-            <a:off x="6553200" y="6248400"/>
-            <a:ext cx="1905000" cy="457200"/>
-          </a:xfrm>
-          <a:prstGeom prst="rect">
-            <a:avLst/>
-          </a:prstGeom>
-          <a:noFill/>
-          <a:ln>
-            <a:noFill/>
-          </a:ln>
-          <a:extLst>
-            <a:ext uri="{909E8E84-426E-40dd-AFC4-6F175D3DCCD1}">
-              <a14:hiddenFill xmlns:a14="http://schemas.microsoft.com/office/drawing/2010/main">
-                <a:solidFill>
-                  <a:srgbClr val="FFFFFF"/>
-                </a:solidFill>
-              </a14:hiddenFill>
-            </a:ext>
-            <a:ext uri="{91240B29-F687-4f45-9708-019B960494DF}">
-              <a14:hiddenLine xmlns:a14="http://schemas.microsoft.com/office/drawing/2010/main" w="9525">
-                <a:solidFill>
-                  <a:srgbClr val="000000"/>
-                </a:solidFill>
-                <a:miter lim="800000"/>
-                <a:headEnd/>
-                <a:tailEnd/>
-              </a14:hiddenLine>
-            </a:ext>
-          </a:extLst>
-        </p:spPr>
-        <p:txBody>
-          <a:bodyPr/>
-          <a:lstStyle>
-            <a:lvl1pPr eaLnBrk="0" hangingPunct="0">
-              <a:defRPr sz="2400">
-                <a:solidFill>
-                  <a:schemeClr val="tx1"/>
-                </a:solidFill>
-                <a:latin typeface="Arial" charset="0"/>
-                <a:ea typeface="ＭＳ Ｐゴシック" charset="0"/>
-                <a:cs typeface="ＭＳ Ｐゴシック" charset="0"/>
-              </a:defRPr>
-            </a:lvl1pPr>
-            <a:lvl2pPr marL="742950" indent="-285750" eaLnBrk="0" hangingPunct="0">
-              <a:defRPr sz="2400">
-                <a:solidFill>
-                  <a:schemeClr val="tx1"/>
-                </a:solidFill>
-                <a:latin typeface="Arial" charset="0"/>
-                <a:ea typeface="ＭＳ Ｐゴシック" charset="0"/>
-              </a:defRPr>
-            </a:lvl2pPr>
-            <a:lvl3pPr marL="1143000" indent="-228600" eaLnBrk="0" hangingPunct="0">
-              <a:defRPr sz="2400">
-                <a:solidFill>
-                  <a:schemeClr val="tx1"/>
-                </a:solidFill>
-                <a:latin typeface="Arial" charset="0"/>
-                <a:ea typeface="ＭＳ Ｐゴシック" charset="0"/>
-              </a:defRPr>
-            </a:lvl3pPr>
-            <a:lvl4pPr marL="1600200" indent="-228600" eaLnBrk="0" hangingPunct="0">
-              <a:defRPr sz="2400">
-                <a:solidFill>
-                  <a:schemeClr val="tx1"/>
-                </a:solidFill>
-                <a:latin typeface="Arial" charset="0"/>
-                <a:ea typeface="ＭＳ Ｐゴシック" charset="0"/>
-              </a:defRPr>
-            </a:lvl4pPr>
-            <a:lvl5pPr marL="2057400" indent="-228600" eaLnBrk="0" hangingPunct="0">
-              <a:defRPr sz="2400">
-                <a:solidFill>
-                  <a:schemeClr val="tx1"/>
-                </a:solidFill>
-                <a:latin typeface="Arial" charset="0"/>
-                <a:ea typeface="ＭＳ Ｐゴシック" charset="0"/>
-              </a:defRPr>
-            </a:lvl5pPr>
-            <a:lvl6pPr marL="2514600" indent="-228600" eaLnBrk="0" fontAlgn="base" hangingPunct="0">
-              <a:spcBef>
-                <a:spcPct val="0"/>
-              </a:spcBef>
-              <a:spcAft>
-                <a:spcPct val="0"/>
-              </a:spcAft>
-              <a:defRPr sz="2400">
-                <a:solidFill>
-                  <a:schemeClr val="tx1"/>
-                </a:solidFill>
-                <a:latin typeface="Arial" charset="0"/>
-                <a:ea typeface="ＭＳ Ｐゴシック" charset="0"/>
-              </a:defRPr>
-            </a:lvl6pPr>
-            <a:lvl7pPr marL="2971800" indent="-228600" eaLnBrk="0" fontAlgn="base" hangingPunct="0">
-              <a:spcBef>
-                <a:spcPct val="0"/>
-              </a:spcBef>
-              <a:spcAft>
-                <a:spcPct val="0"/>
-              </a:spcAft>
-              <a:defRPr sz="2400">
-                <a:solidFill>
-                  <a:schemeClr val="tx1"/>
-                </a:solidFill>
-                <a:latin typeface="Arial" charset="0"/>
-                <a:ea typeface="ＭＳ Ｐゴシック" charset="0"/>
-              </a:defRPr>
-            </a:lvl7pPr>
-            <a:lvl8pPr marL="3429000" indent="-228600" eaLnBrk="0" fontAlgn="base" hangingPunct="0">
-              <a:spcBef>
-                <a:spcPct val="0"/>
-              </a:spcBef>
-              <a:spcAft>
-                <a:spcPct val="0"/>
-              </a:spcAft>
-              <a:defRPr sz="2400">
-                <a:solidFill>
-                  <a:schemeClr val="tx1"/>
-                </a:solidFill>
-                <a:latin typeface="Arial" charset="0"/>
-                <a:ea typeface="ＭＳ Ｐゴシック" charset="0"/>
-              </a:defRPr>
-            </a:lvl8pPr>
-            <a:lvl9pPr marL="3886200" indent="-228600" eaLnBrk="0" fontAlgn="base" hangingPunct="0">
-              <a:spcBef>
-                <a:spcPct val="0"/>
-              </a:spcBef>
-              <a:spcAft>
-                <a:spcPct val="0"/>
-              </a:spcAft>
-              <a:defRPr sz="2400">
-                <a:solidFill>
-                  <a:schemeClr val="tx1"/>
-                </a:solidFill>
-                <a:latin typeface="Arial" charset="0"/>
-                <a:ea typeface="ＭＳ Ｐゴシック" charset="0"/>
-              </a:defRPr>
-            </a:lvl9pPr>
-          </a:lstStyle>
-          <a:p>
-            <a:pPr algn="r"/>
-            <a:endParaRPr lang="en-US" sz="1200"/>
-          </a:p>
-        </p:txBody>
-      </p:sp>
-    </p:spTree>
-  </p:cSld>
-  <p:clrMapOvr>
-    <a:masterClrMapping/>
-  </p:clrMapOvr>
-  <p:transition xmlns:p14="http://schemas.microsoft.com/office/powerpoint/2010/main"/>
-  <p:timing>
-    <p:tnLst>
-      <p:par>
-        <p:cTn xmlns:p14="http://schemas.microsoft.com/office/powerpoint/2010/main" id="1" dur="indefinite" restart="never" nodeType="tmRoot"/>
-      </p:par>
-    </p:tnLst>
-  </p:timing>
-</p:sld>
-</file>
-
-<file path=ppt/slides/slide4.xml><?xml version="1.0" encoding="utf-8"?>
 <p:sld xmlns:a="http://schemas.openxmlformats.org/drawingml/2006/main" xmlns:r="http://schemas.openxmlformats.org/officeDocument/2006/relationships" xmlns:p="http://schemas.openxmlformats.org/presentationml/2006/main">
   <p:cSld>
     <p:spTree>
@@ -11550,7 +10498,7 @@
               <a:defRPr/>
             </a:pPr>
             <a:r>
-              <a:rPr lang="en-US" sz="1600" dirty="0" smtClean="0">
+              <a:rPr lang="en-US" sz="1600" dirty="0">
                 <a:ln w="1270">
                   <a:solidFill>
                     <a:schemeClr val="tx1">
@@ -11559,10 +10507,9 @@
                   </a:solidFill>
                 </a:ln>
                 <a:latin typeface="Calibri"/>
-                <a:ea typeface="+mj-ea"/>
                 <a:cs typeface="Calibri"/>
               </a:rPr>
-              <a:t>High-throughput Biology: From Sequence to Networks</a:t>
+              <a:t>Informatics for RNA-seq Analysis</a:t>
             </a:r>
           </a:p>
           <a:p>
@@ -11585,102 +10532,26 @@
                 <a:ea typeface="+mn-ea"/>
                 <a:cs typeface="Calibri"/>
               </a:rPr>
-              <a:t>April 27-May 3, 2015</a:t>
+              <a:t>June 8-9, </a:t>
+            </a:r>
+            <a:r>
+              <a:rPr lang="en-US" sz="1400" dirty="0" smtClean="0">
+                <a:ln w="1270">
+                  <a:solidFill>
+                    <a:schemeClr val="tx1">
+                      <a:alpha val="38000"/>
+                    </a:schemeClr>
+                  </a:solidFill>
+                </a:ln>
+                <a:latin typeface="Calibri"/>
+                <a:ea typeface="+mn-ea"/>
+                <a:cs typeface="Calibri"/>
+              </a:rPr>
+              <a:t>2015</a:t>
             </a:r>
           </a:p>
         </p:txBody>
       </p:sp>
-      <p:pic>
-        <p:nvPicPr>
-          <p:cNvPr id="4" name="Picture 3" descr="bioinformatics-ca.eps"/>
-          <p:cNvPicPr>
-            <a:picLocks noChangeAspect="1"/>
-          </p:cNvPicPr>
-          <p:nvPr/>
-        </p:nvPicPr>
-        <p:blipFill>
-          <a:blip r:embed="rId2">
-            <a:extLst>
-              <a:ext uri="{28A0092B-C50C-407E-A947-70E740481C1C}">
-                <a14:useLocalDpi xmlns:a14="http://schemas.microsoft.com/office/drawing/2010/main" val="0"/>
-              </a:ext>
-            </a:extLst>
-          </a:blip>
-          <a:stretch>
-            <a:fillRect/>
-          </a:stretch>
-        </p:blipFill>
-        <p:spPr>
-          <a:xfrm>
-            <a:off x="6516216" y="2708920"/>
-            <a:ext cx="2339752" cy="1005487"/>
-          </a:xfrm>
-          <a:prstGeom prst="rect">
-            <a:avLst/>
-          </a:prstGeom>
-        </p:spPr>
-      </p:pic>
-      <p:pic>
-        <p:nvPicPr>
-          <p:cNvPr id="9" name="Picture 8" descr="CSHL_Logo.eps"/>
-          <p:cNvPicPr>
-            <a:picLocks noChangeAspect="1"/>
-          </p:cNvPicPr>
-          <p:nvPr/>
-        </p:nvPicPr>
-        <p:blipFill>
-          <a:blip r:embed="rId3">
-            <a:extLst>
-              <a:ext uri="{28A0092B-C50C-407E-A947-70E740481C1C}">
-                <a14:useLocalDpi xmlns:a14="http://schemas.microsoft.com/office/drawing/2010/main" val="0"/>
-              </a:ext>
-            </a:extLst>
-          </a:blip>
-          <a:stretch>
-            <a:fillRect/>
-          </a:stretch>
-        </p:blipFill>
-        <p:spPr>
-          <a:xfrm>
-            <a:off x="6372200" y="4215061"/>
-            <a:ext cx="2458204" cy="942131"/>
-          </a:xfrm>
-          <a:prstGeom prst="rect">
-            <a:avLst/>
-          </a:prstGeom>
-          <a:noFill/>
-        </p:spPr>
-      </p:pic>
-      <p:pic>
-        <p:nvPicPr>
-          <p:cNvPr id="10" name="Picture 9" descr="NYGC_logo.jpeg"/>
-          <p:cNvPicPr>
-            <a:picLocks noChangeAspect="1"/>
-          </p:cNvPicPr>
-          <p:nvPr/>
-        </p:nvPicPr>
-        <p:blipFill>
-          <a:blip r:embed="rId4" cstate="print">
-            <a:extLst>
-              <a:ext uri="{28A0092B-C50C-407E-A947-70E740481C1C}">
-                <a14:useLocalDpi xmlns:a14="http://schemas.microsoft.com/office/drawing/2010/main" val="0"/>
-              </a:ext>
-            </a:extLst>
-          </a:blip>
-          <a:stretch>
-            <a:fillRect/>
-          </a:stretch>
-        </p:blipFill>
-        <p:spPr>
-          <a:xfrm>
-            <a:off x="6568588" y="5288114"/>
-            <a:ext cx="2224796" cy="1483197"/>
-          </a:xfrm>
-          <a:prstGeom prst="rect">
-            <a:avLst/>
-          </a:prstGeom>
-        </p:spPr>
-      </p:pic>
       <p:pic>
         <p:nvPicPr>
           <p:cNvPr id="8" name="Picture 1" descr="RNA-Seq-alignment.png"/>
@@ -11690,7 +10561,7 @@
           <p:nvPr/>
         </p:nvPicPr>
         <p:blipFill>
-          <a:blip r:embed="rId5">
+          <a:blip r:embed="rId2">
             <a:extLst>
               <a:ext uri="{28A0092B-C50C-407E-A947-70E740481C1C}">
                 <a14:useLocalDpi xmlns:a14="http://schemas.microsoft.com/office/drawing/2010/main" val="0"/>
@@ -11735,6 +10606,36 @@
           </a:extLst>
         </p:spPr>
       </p:pic>
+      <p:pic>
+        <p:nvPicPr>
+          <p:cNvPr id="11" name="Picture 10" descr="bioinformatics-ca.eps"/>
+          <p:cNvPicPr>
+            <a:picLocks noChangeAspect="1"/>
+          </p:cNvPicPr>
+          <p:nvPr/>
+        </p:nvPicPr>
+        <p:blipFill>
+          <a:blip r:embed="rId3">
+            <a:extLst>
+              <a:ext uri="{28A0092B-C50C-407E-A947-70E740481C1C}">
+                <a14:useLocalDpi xmlns:a14="http://schemas.microsoft.com/office/drawing/2010/main" val="0"/>
+              </a:ext>
+            </a:extLst>
+          </a:blip>
+          <a:stretch>
+            <a:fillRect/>
+          </a:stretch>
+        </p:blipFill>
+        <p:spPr>
+          <a:xfrm>
+            <a:off x="6516216" y="4223713"/>
+            <a:ext cx="2339752" cy="1005487"/>
+          </a:xfrm>
+          <a:prstGeom prst="rect">
+            <a:avLst/>
+          </a:prstGeom>
+        </p:spPr>
+      </p:pic>
     </p:spTree>
   </p:cSld>
   <p:clrMapOvr>
@@ -11750,7 +10651,7 @@
 </p:sld>
 </file>
 
-<file path=ppt/slides/slide5.xml><?xml version="1.0" encoding="utf-8"?>
+<file path=ppt/slides/slide4.xml><?xml version="1.0" encoding="utf-8"?>
 <p:sld xmlns:a="http://schemas.openxmlformats.org/drawingml/2006/main" xmlns:r="http://schemas.openxmlformats.org/officeDocument/2006/relationships" xmlns:p="http://schemas.openxmlformats.org/presentationml/2006/main">
   <p:cSld>
     <p:spTree>
@@ -11840,11 +10741,7 @@
             </a:pPr>
             <a:r>
               <a:rPr lang="en-US" dirty="0" smtClean="0"/>
-              <a:t>Module </a:t>
-            </a:r>
-            <a:r>
-              <a:rPr lang="en-US" dirty="0" smtClean="0"/>
-              <a:t>1: </a:t>
+              <a:t>Module 1: </a:t>
             </a:r>
             <a:r>
               <a:rPr lang="en-US" dirty="0"/>
@@ -12050,7 +10947,7 @@
 </p:sld>
 </file>
 
-<file path=ppt/slides/slide6.xml><?xml version="1.0" encoding="utf-8"?>
+<file path=ppt/slides/slide5.xml><?xml version="1.0" encoding="utf-8"?>
 <p:sld xmlns:a="http://schemas.openxmlformats.org/drawingml/2006/main" xmlns:r="http://schemas.openxmlformats.org/officeDocument/2006/relationships" xmlns:p="http://schemas.openxmlformats.org/presentationml/2006/main">
   <p:cSld>
     <p:spTree>
@@ -12193,7 +11090,7 @@
 </p:sld>
 </file>
 
-<file path=ppt/slides/slide7.xml><?xml version="1.0" encoding="utf-8"?>
+<file path=ppt/slides/slide6.xml><?xml version="1.0" encoding="utf-8"?>
 <p:sld xmlns:a="http://schemas.openxmlformats.org/drawingml/2006/main" xmlns:r="http://schemas.openxmlformats.org/officeDocument/2006/relationships" xmlns:p="http://schemas.openxmlformats.org/presentationml/2006/main">
   <p:cSld>
     <p:spTree>
@@ -12686,7 +11583,7 @@
 </p:sld>
 </file>
 
-<file path=ppt/slides/slide8.xml><?xml version="1.0" encoding="utf-8"?>
+<file path=ppt/slides/slide7.xml><?xml version="1.0" encoding="utf-8"?>
 <p:sld xmlns:a="http://schemas.openxmlformats.org/drawingml/2006/main" xmlns:r="http://schemas.openxmlformats.org/officeDocument/2006/relationships" xmlns:p="http://schemas.openxmlformats.org/presentationml/2006/main">
   <p:cSld>
     <p:spTree>
@@ -13154,7 +12051,7 @@
 </p:sld>
 </file>
 
-<file path=ppt/slides/slide9.xml><?xml version="1.0" encoding="utf-8"?>
+<file path=ppt/slides/slide8.xml><?xml version="1.0" encoding="utf-8"?>
 <p:sld xmlns:a="http://schemas.openxmlformats.org/drawingml/2006/main" xmlns:r="http://schemas.openxmlformats.org/officeDocument/2006/relationships" xmlns:p="http://schemas.openxmlformats.org/presentationml/2006/main">
   <p:cSld>
     <p:spTree>
@@ -13523,6 +12420,410 @@
     <p:extLst>
       <p:ext uri="{BB962C8B-B14F-4D97-AF65-F5344CB8AC3E}">
         <p14:creationId xmlns:p14="http://schemas.microsoft.com/office/powerpoint/2010/main" val="625874556"/>
+      </p:ext>
+    </p:extLst>
+  </p:cSld>
+  <p:clrMapOvr>
+    <a:masterClrMapping/>
+  </p:clrMapOvr>
+  <p:timing>
+    <p:tnLst>
+      <p:par>
+        <p:cTn xmlns:p14="http://schemas.microsoft.com/office/powerpoint/2010/main" id="1" dur="indefinite" restart="never" nodeType="tmRoot"/>
+      </p:par>
+    </p:tnLst>
+  </p:timing>
+</p:sld>
+</file>
+
+<file path=ppt/slides/slide9.xml><?xml version="1.0" encoding="utf-8"?>
+<p:sld xmlns:a="http://schemas.openxmlformats.org/drawingml/2006/main" xmlns:r="http://schemas.openxmlformats.org/officeDocument/2006/relationships" xmlns:p="http://schemas.openxmlformats.org/presentationml/2006/main">
+  <p:cSld>
+    <p:spTree>
+      <p:nvGrpSpPr>
+        <p:cNvPr id="1" name=""/>
+        <p:cNvGrpSpPr/>
+        <p:nvPr/>
+      </p:nvGrpSpPr>
+      <p:grpSpPr>
+        <a:xfrm>
+          <a:off x="0" y="0"/>
+          <a:ext cx="0" cy="0"/>
+          <a:chOff x="0" y="0"/>
+          <a:chExt cx="0" cy="0"/>
+        </a:xfrm>
+      </p:grpSpPr>
+      <p:pic>
+        <p:nvPicPr>
+          <p:cNvPr id="4" name="Content Placeholder 3" descr="cuffdiff_overview.jpg"/>
+          <p:cNvPicPr>
+            <a:picLocks noGrp="1" noChangeAspect="1"/>
+          </p:cNvPicPr>
+          <p:nvPr>
+            <p:ph idx="1"/>
+          </p:nvPr>
+        </p:nvPicPr>
+        <p:blipFill rotWithShape="1">
+          <a:blip r:embed="rId2">
+            <a:extLst>
+              <a:ext uri="{28A0092B-C50C-407E-A947-70E740481C1C}">
+                <a14:useLocalDpi xmlns:a14="http://schemas.microsoft.com/office/drawing/2010/main" val="0"/>
+              </a:ext>
+            </a:extLst>
+          </a:blip>
+          <a:srcRect l="-2624" r="-3487"/>
+          <a:stretch/>
+        </p:blipFill>
+        <p:spPr>
+          <a:xfrm>
+            <a:off x="5220072" y="188640"/>
+            <a:ext cx="3386920" cy="6110461"/>
+          </a:xfrm>
+        </p:spPr>
+      </p:pic>
+      <p:sp>
+        <p:nvSpPr>
+          <p:cNvPr id="7" name="Title 1"/>
+          <p:cNvSpPr>
+            <a:spLocks noGrp="1"/>
+          </p:cNvSpPr>
+          <p:nvPr>
+            <p:ph type="title"/>
+          </p:nvPr>
+        </p:nvSpPr>
+        <p:spPr>
+          <a:xfrm>
+            <a:off x="179512" y="44624"/>
+            <a:ext cx="5040560" cy="1296144"/>
+          </a:xfrm>
+        </p:spPr>
+        <p:txBody>
+          <a:bodyPr/>
+          <a:lstStyle/>
+          <a:p>
+            <a:r>
+              <a:rPr lang="en-US" dirty="0">
+                <a:latin typeface="Calibri" charset="0"/>
+                <a:ea typeface="ＭＳ Ｐゴシック" charset="0"/>
+              </a:rPr>
+              <a:t>How does </a:t>
+            </a:r>
+            <a:r>
+              <a:rPr lang="en-US" dirty="0" err="1" smtClean="0">
+                <a:latin typeface="Calibri" charset="0"/>
+                <a:ea typeface="ＭＳ Ｐゴシック" charset="0"/>
+              </a:rPr>
+              <a:t>cuffdiff</a:t>
+            </a:r>
+            <a:r>
+              <a:rPr lang="en-US" dirty="0" smtClean="0">
+                <a:latin typeface="Calibri" charset="0"/>
+                <a:ea typeface="ＭＳ Ｐゴシック" charset="0"/>
+              </a:rPr>
+              <a:t> work</a:t>
+            </a:r>
+            <a:r>
+              <a:rPr lang="en-US" dirty="0">
+                <a:latin typeface="Calibri" charset="0"/>
+                <a:ea typeface="ＭＳ Ｐゴシック" charset="0"/>
+              </a:rPr>
+              <a:t>?</a:t>
+            </a:r>
+          </a:p>
+        </p:txBody>
+      </p:sp>
+      <p:sp>
+        <p:nvSpPr>
+          <p:cNvPr id="5" name="Content Placeholder 2"/>
+          <p:cNvSpPr txBox="1">
+            <a:spLocks/>
+          </p:cNvSpPr>
+          <p:nvPr/>
+        </p:nvSpPr>
+        <p:spPr bwMode="auto">
+          <a:xfrm>
+            <a:off x="152400" y="1340768"/>
+            <a:ext cx="4707632" cy="4983832"/>
+          </a:xfrm>
+          <a:prstGeom prst="rect">
+            <a:avLst/>
+          </a:prstGeom>
+          <a:noFill/>
+          <a:ln>
+            <a:noFill/>
+          </a:ln>
+          <a:extLst>
+            <a:ext uri="{909E8E84-426E-40dd-AFC4-6F175D3DCCD1}">
+              <a14:hiddenFill xmlns:a14="http://schemas.microsoft.com/office/drawing/2010/main">
+                <a:solidFill>
+                  <a:srgbClr val="FFFFFF"/>
+                </a:solidFill>
+              </a14:hiddenFill>
+            </a:ext>
+            <a:ext uri="{91240B29-F687-4f45-9708-019B960494DF}">
+              <a14:hiddenLine xmlns:a14="http://schemas.microsoft.com/office/drawing/2010/main" w="9525">
+                <a:solidFill>
+                  <a:srgbClr val="000000"/>
+                </a:solidFill>
+                <a:miter lim="800000"/>
+                <a:headEnd/>
+                <a:tailEnd/>
+              </a14:hiddenLine>
+            </a:ext>
+            <a:ext uri="{FAA26D3D-D897-4be2-8F04-BA451C77F1D7}">
+              <ma14:placeholderFlag xmlns:ma14="http://schemas.microsoft.com/office/mac/drawingml/2011/main" val="1"/>
+            </a:ext>
+          </a:extLst>
+        </p:spPr>
+        <p:txBody>
+          <a:bodyPr vert="horz" wrap="square" lIns="91440" tIns="45720" rIns="91440" bIns="45720" numCol="1" anchor="t" anchorCtr="0" compatLnSpc="1">
+            <a:prstTxWarp prst="textNoShape">
+              <a:avLst/>
+            </a:prstTxWarp>
+            <a:normAutofit fontScale="62500" lnSpcReduction="20000"/>
+          </a:bodyPr>
+          <a:lstStyle>
+            <a:lvl1pPr marL="342900" indent="-342900" algn="l" rtl="0" eaLnBrk="0" fontAlgn="base" hangingPunct="0">
+              <a:spcBef>
+                <a:spcPct val="20000"/>
+              </a:spcBef>
+              <a:spcAft>
+                <a:spcPct val="0"/>
+              </a:spcAft>
+              <a:buFont typeface="Arial" charset="0"/>
+              <a:buChar char="•"/>
+              <a:defRPr sz="2800" kern="1200">
+                <a:solidFill>
+                  <a:schemeClr val="tx1"/>
+                </a:solidFill>
+                <a:latin typeface="Calibri"/>
+                <a:ea typeface="ＭＳ Ｐゴシック" pitchFamily="-28" charset="-128"/>
+                <a:cs typeface="Calibri"/>
+              </a:defRPr>
+            </a:lvl1pPr>
+            <a:lvl2pPr marL="742950" indent="-285750" algn="l" rtl="0" eaLnBrk="0" fontAlgn="base" hangingPunct="0">
+              <a:spcBef>
+                <a:spcPct val="20000"/>
+              </a:spcBef>
+              <a:spcAft>
+                <a:spcPct val="0"/>
+              </a:spcAft>
+              <a:buFont typeface="Arial" charset="0"/>
+              <a:buChar char="–"/>
+              <a:defRPr sz="2400" kern="1200">
+                <a:solidFill>
+                  <a:schemeClr val="tx1"/>
+                </a:solidFill>
+                <a:latin typeface="Calibri"/>
+                <a:ea typeface="ＭＳ Ｐゴシック" pitchFamily="-28" charset="-128"/>
+                <a:cs typeface="Calibri"/>
+              </a:defRPr>
+            </a:lvl2pPr>
+            <a:lvl3pPr marL="1143000" indent="-228600" algn="l" rtl="0" eaLnBrk="0" fontAlgn="base" hangingPunct="0">
+              <a:spcBef>
+                <a:spcPct val="20000"/>
+              </a:spcBef>
+              <a:spcAft>
+                <a:spcPct val="0"/>
+              </a:spcAft>
+              <a:buFont typeface="Arial" charset="0"/>
+              <a:buChar char="•"/>
+              <a:defRPr sz="2000" kern="1200">
+                <a:solidFill>
+                  <a:schemeClr val="tx1"/>
+                </a:solidFill>
+                <a:latin typeface="Calibri"/>
+                <a:ea typeface="ＭＳ Ｐゴシック" pitchFamily="-28" charset="-128"/>
+                <a:cs typeface="Calibri"/>
+              </a:defRPr>
+            </a:lvl3pPr>
+            <a:lvl4pPr marL="1600200" indent="-228600" algn="l" rtl="0" eaLnBrk="0" fontAlgn="base" hangingPunct="0">
+              <a:spcBef>
+                <a:spcPct val="20000"/>
+              </a:spcBef>
+              <a:spcAft>
+                <a:spcPct val="0"/>
+              </a:spcAft>
+              <a:buFont typeface="Arial" charset="0"/>
+              <a:buChar char="–"/>
+              <a:defRPr kern="1200">
+                <a:solidFill>
+                  <a:schemeClr val="tx1"/>
+                </a:solidFill>
+                <a:latin typeface="Calibri"/>
+                <a:ea typeface="ＭＳ Ｐゴシック" pitchFamily="-28" charset="-128"/>
+                <a:cs typeface="Calibri"/>
+              </a:defRPr>
+            </a:lvl4pPr>
+            <a:lvl5pPr marL="2057400" indent="-228600" algn="l" rtl="0" eaLnBrk="0" fontAlgn="base" hangingPunct="0">
+              <a:spcBef>
+                <a:spcPct val="20000"/>
+              </a:spcBef>
+              <a:spcAft>
+                <a:spcPct val="0"/>
+              </a:spcAft>
+              <a:buFont typeface="Arial" charset="0"/>
+              <a:buChar char="»"/>
+              <a:defRPr kern="1200">
+                <a:solidFill>
+                  <a:schemeClr val="tx1"/>
+                </a:solidFill>
+                <a:latin typeface="Calibri"/>
+                <a:ea typeface="ＭＳ Ｐゴシック" pitchFamily="-28" charset="-128"/>
+                <a:cs typeface="Calibri"/>
+              </a:defRPr>
+            </a:lvl5pPr>
+            <a:lvl6pPr marL="2514600" indent="-228600" algn="l" defTabSz="914400" rtl="0" eaLnBrk="1" latinLnBrk="0" hangingPunct="1">
+              <a:spcBef>
+                <a:spcPct val="20000"/>
+              </a:spcBef>
+              <a:buFont typeface="Arial" pitchFamily="34" charset="0"/>
+              <a:buChar char="•"/>
+              <a:defRPr sz="2000" kern="1200">
+                <a:solidFill>
+                  <a:schemeClr val="tx1"/>
+                </a:solidFill>
+                <a:latin typeface="+mn-lt"/>
+                <a:ea typeface="+mn-ea"/>
+                <a:cs typeface="+mn-cs"/>
+              </a:defRPr>
+            </a:lvl6pPr>
+            <a:lvl7pPr marL="2971800" indent="-228600" algn="l" defTabSz="914400" rtl="0" eaLnBrk="1" latinLnBrk="0" hangingPunct="1">
+              <a:spcBef>
+                <a:spcPct val="20000"/>
+              </a:spcBef>
+              <a:buFont typeface="Arial" pitchFamily="34" charset="0"/>
+              <a:buChar char="•"/>
+              <a:defRPr sz="2000" kern="1200">
+                <a:solidFill>
+                  <a:schemeClr val="tx1"/>
+                </a:solidFill>
+                <a:latin typeface="+mn-lt"/>
+                <a:ea typeface="+mn-ea"/>
+                <a:cs typeface="+mn-cs"/>
+              </a:defRPr>
+            </a:lvl7pPr>
+            <a:lvl8pPr marL="3429000" indent="-228600" algn="l" defTabSz="914400" rtl="0" eaLnBrk="1" latinLnBrk="0" hangingPunct="1">
+              <a:spcBef>
+                <a:spcPct val="20000"/>
+              </a:spcBef>
+              <a:buFont typeface="Arial" pitchFamily="34" charset="0"/>
+              <a:buChar char="•"/>
+              <a:defRPr sz="2000" kern="1200">
+                <a:solidFill>
+                  <a:schemeClr val="tx1"/>
+                </a:solidFill>
+                <a:latin typeface="+mn-lt"/>
+                <a:ea typeface="+mn-ea"/>
+                <a:cs typeface="+mn-cs"/>
+              </a:defRPr>
+            </a:lvl8pPr>
+            <a:lvl9pPr marL="3886200" indent="-228600" algn="l" defTabSz="914400" rtl="0" eaLnBrk="1" latinLnBrk="0" hangingPunct="1">
+              <a:spcBef>
+                <a:spcPct val="20000"/>
+              </a:spcBef>
+              <a:buFont typeface="Arial" pitchFamily="34" charset="0"/>
+              <a:buChar char="•"/>
+              <a:defRPr sz="2000" kern="1200">
+                <a:solidFill>
+                  <a:schemeClr val="tx1"/>
+                </a:solidFill>
+                <a:latin typeface="+mn-lt"/>
+                <a:ea typeface="+mn-ea"/>
+                <a:cs typeface="+mn-cs"/>
+              </a:defRPr>
+            </a:lvl9pPr>
+          </a:lstStyle>
+          <a:p>
+            <a:r>
+              <a:rPr lang="en-US" dirty="0" smtClean="0"/>
+              <a:t>The </a:t>
+            </a:r>
+            <a:r>
+              <a:rPr lang="en-US" dirty="0"/>
+              <a:t>variability in fragment count for each gene across replicates is modeled</a:t>
+            </a:r>
+            <a:r>
+              <a:rPr lang="en-US" dirty="0" smtClean="0"/>
+              <a:t>.</a:t>
+            </a:r>
+          </a:p>
+          <a:p>
+            <a:r>
+              <a:rPr lang="en-US" dirty="0" smtClean="0"/>
+              <a:t>The </a:t>
+            </a:r>
+            <a:r>
+              <a:rPr lang="en-US" dirty="0"/>
+              <a:t>fragment count for each isoform is estimated in each </a:t>
+            </a:r>
+            <a:r>
+              <a:rPr lang="en-US" dirty="0" smtClean="0"/>
+              <a:t>replicate (as before), </a:t>
+            </a:r>
+            <a:r>
+              <a:rPr lang="en-US" dirty="0"/>
+              <a:t>along </a:t>
+            </a:r>
+            <a:r>
+              <a:rPr lang="en-US" dirty="0" smtClean="0"/>
+              <a:t>with </a:t>
+            </a:r>
+            <a:r>
+              <a:rPr lang="en-US" dirty="0"/>
+              <a:t>a measure of uncertainty in this estimate arising from ambiguously mapped </a:t>
+            </a:r>
+            <a:r>
+              <a:rPr lang="en-US" dirty="0" smtClean="0"/>
+              <a:t>reads</a:t>
+            </a:r>
+          </a:p>
+          <a:p>
+            <a:pPr lvl="1"/>
+            <a:r>
+              <a:rPr lang="en-US" dirty="0" smtClean="0"/>
+              <a:t>transcripts </a:t>
+            </a:r>
+            <a:r>
+              <a:rPr lang="en-US" dirty="0"/>
+              <a:t>with more shared exons and few uniquely assigned fragments will have greater uncertainty</a:t>
+            </a:r>
+            <a:endParaRPr lang="en-US" dirty="0" smtClean="0"/>
+          </a:p>
+          <a:p>
+            <a:r>
+              <a:rPr lang="en-US" dirty="0" smtClean="0"/>
+              <a:t>The </a:t>
+            </a:r>
+            <a:r>
+              <a:rPr lang="en-US" dirty="0"/>
+              <a:t>algorithm combines estimates of uncertainty and cross-replicate variability under a beta negative binomial model of fragment count variability to estimate count variances for each transcript in each </a:t>
+            </a:r>
+            <a:r>
+              <a:rPr lang="en-US" dirty="0" smtClean="0"/>
+              <a:t>library</a:t>
+            </a:r>
+          </a:p>
+          <a:p>
+            <a:r>
+              <a:rPr lang="en-US" dirty="0" smtClean="0"/>
+              <a:t>These </a:t>
+            </a:r>
+            <a:r>
+              <a:rPr lang="en-US" dirty="0"/>
+              <a:t>variance estimates are used during statistical testing to report significantly differentially expressed genes and transcripts.</a:t>
+            </a:r>
+            <a:endParaRPr lang="en-US" dirty="0" smtClean="0">
+              <a:latin typeface="Calibri" charset="0"/>
+              <a:ea typeface="ＭＳ Ｐゴシック" charset="0"/>
+            </a:endParaRPr>
+          </a:p>
+        </p:txBody>
+      </p:sp>
+    </p:spTree>
+    <p:extLst>
+      <p:ext uri="{BB962C8B-B14F-4D97-AF65-F5344CB8AC3E}">
+        <p14:creationId xmlns:p14="http://schemas.microsoft.com/office/powerpoint/2010/main" val="2557149553"/>
       </p:ext>
     </p:extLst>
   </p:cSld>

--- a/LectureFiles/cbw/2015/RNASeq_Module3_Lecture.pptx
+++ b/LectureFiles/cbw/2015/RNASeq_Module3_Lecture.pptx
@@ -271,7 +271,7 @@
               <a:pPr>
                 <a:defRPr/>
               </a:pPr>
-              <a:t>6/1/15</a:t>
+              <a:t>6/9/15</a:t>
             </a:fld>
             <a:endParaRPr lang="en-US"/>
           </a:p>
@@ -486,7 +486,7 @@
               <a:pPr>
                 <a:defRPr/>
               </a:pPr>
-              <a:t>6/1/15</a:t>
+              <a:t>6/9/15</a:t>
             </a:fld>
             <a:endParaRPr lang="en-US"/>
           </a:p>
@@ -3500,7 +3500,7 @@
               <a:pPr>
                 <a:defRPr/>
               </a:pPr>
-              <a:t>6/1/15</a:t>
+              <a:t>6/9/15</a:t>
             </a:fld>
             <a:endParaRPr lang="en-US"/>
           </a:p>
@@ -6693,22 +6693,16 @@
           <a:p>
             <a:pPr lvl="1"/>
             <a:r>
-              <a:rPr lang="en-US" dirty="0" smtClean="0">
-                <a:latin typeface="Calibri" charset="0"/>
-                <a:ea typeface="ＭＳ Ｐゴシック" charset="0"/>
-              </a:rPr>
-              <a:t>David</a:t>
-            </a:r>
-          </a:p>
-          <a:p>
-            <a:pPr lvl="1"/>
-            <a:r>
-              <a:rPr lang="en-US" dirty="0" smtClean="0">
+              <a:rPr lang="en-US" smtClean="0">
                 <a:latin typeface="Calibri" charset="0"/>
                 <a:ea typeface="ＭＳ Ｐゴシック" charset="0"/>
               </a:rPr>
               <a:t>IPA</a:t>
             </a:r>
+            <a:endParaRPr lang="en-US" dirty="0" smtClean="0">
+              <a:latin typeface="Calibri" charset="0"/>
+              <a:ea typeface="ＭＳ Ｐゴシック" charset="0"/>
+            </a:endParaRPr>
           </a:p>
           <a:p>
             <a:pPr lvl="1"/>
@@ -10532,22 +10526,7 @@
                 <a:ea typeface="+mn-ea"/>
                 <a:cs typeface="Calibri"/>
               </a:rPr>
-              <a:t>June 8-9, </a:t>
-            </a:r>
-            <a:r>
-              <a:rPr lang="en-US" sz="1400" dirty="0" smtClean="0">
-                <a:ln w="1270">
-                  <a:solidFill>
-                    <a:schemeClr val="tx1">
-                      <a:alpha val="38000"/>
-                    </a:schemeClr>
-                  </a:solidFill>
-                </a:ln>
-                <a:latin typeface="Calibri"/>
-                <a:ea typeface="+mn-ea"/>
-                <a:cs typeface="Calibri"/>
-              </a:rPr>
-              <a:t>2015</a:t>
+              <a:t>June 8-9, 2015</a:t>
             </a:r>
           </a:p>
         </p:txBody>
@@ -12383,36 +12362,32 @@
               <a:buNone/>
             </a:pPr>
             <a:r>
+              <a:rPr lang="en-US" dirty="0">
+                <a:latin typeface="Calibri" charset="0"/>
+                <a:ea typeface="ＭＳ Ｐゴシック" charset="0"/>
+                <a:hlinkClick r:id="rId3"/>
+              </a:rPr>
+              <a:t>http://cole-trapnell-lab.github.io/cufflinks/papers</a:t>
+            </a:r>
+            <a:r>
               <a:rPr lang="en-US" dirty="0" smtClean="0">
                 <a:latin typeface="Calibri" charset="0"/>
                 <a:ea typeface="ＭＳ Ｐゴシック" charset="0"/>
                 <a:hlinkClick r:id="rId3"/>
               </a:rPr>
-              <a:t>http</a:t>
-            </a:r>
-            <a:r>
-              <a:rPr lang="en-US" dirty="0">
-                <a:latin typeface="Calibri" charset="0"/>
-                <a:ea typeface="ＭＳ Ｐゴシック" charset="0"/>
-                <a:hlinkClick r:id="rId3"/>
-              </a:rPr>
-              <a:t>://cufflinks.cbcb.umd.edu/</a:t>
+              <a:t>/</a:t>
             </a:r>
             <a:r>
               <a:rPr lang="en-US" dirty="0" smtClean="0">
                 <a:latin typeface="Calibri" charset="0"/>
                 <a:ea typeface="ＭＳ Ｐゴシック" charset="0"/>
-                <a:hlinkClick r:id="rId3"/>
-              </a:rPr>
-              <a:t>howitworks.html</a:t>
-            </a:r>
-            <a:r>
-              <a:rPr lang="en-US" dirty="0" smtClean="0">
-                <a:latin typeface="Calibri" charset="0"/>
-                <a:ea typeface="ＭＳ Ｐゴシック" charset="0"/>
               </a:rPr>
               <a:t> </a:t>
             </a:r>
+            <a:endParaRPr lang="en-US" dirty="0" smtClean="0">
+              <a:latin typeface="Calibri" charset="0"/>
+              <a:ea typeface="ＭＳ Ｐゴシック" charset="0"/>
+            </a:endParaRPr>
           </a:p>
         </p:txBody>
       </p:sp>
